--- a/hw/hw304.pptx
+++ b/hw/hw304.pptx
@@ -3896,7 +3896,6 @@
               <a:rPr lang="zh-TW" altLang="en-US" dirty="0"/>
               <a:t>劉宗瑋</a:t>
             </a:r>
-            <a:endParaRPr lang="zh-TW" altLang="en-US" dirty="0"/>
           </a:p>
         </p:txBody>
       </p:sp>
@@ -4051,12 +4050,13 @@
               <a:rPr lang="en-US" altLang="zh-TW" dirty="0" smtClean="0"/>
               <a:t>2. </a:t>
             </a:r>
-            <a:br>
+            <a:r>
               <a:rPr lang="en-US" altLang="zh-TW" dirty="0" smtClean="0"/>
-            </a:br>
+              <a:t>A </a:t>
+            </a:r>
             <a:r>
               <a:rPr lang="en-US" altLang="zh-TW" dirty="0" smtClean="0"/>
-              <a:t>A dining </a:t>
+              <a:t>dining </a:t>
             </a:r>
             <a:r>
               <a:rPr lang="en-US" altLang="zh-TW" dirty="0"/>
@@ -4294,7 +4294,7 @@
       </p:sp>
       <p:pic>
         <p:nvPicPr>
-          <p:cNvPr id="5" name="內容版面配置區 4"/>
+          <p:cNvPr id="4" name="內容版面配置區 3"/>
           <p:cNvPicPr>
             <a:picLocks noGrp="1" noChangeAspect="1"/>
           </p:cNvPicPr>
@@ -4310,13 +4310,13 @@
               </a:ext>
             </a:extLst>
           </a:blip>
-          <a:srcRect r="10361" b="15458"/>
+          <a:srcRect r="10080" b="13677"/>
           <a:stretch/>
         </p:blipFill>
         <p:spPr>
           <a:xfrm>
-            <a:off x="3049227" y="2924945"/>
-            <a:ext cx="3045546" cy="1844004"/>
+            <a:off x="3099654" y="2526430"/>
+            <a:ext cx="2944692" cy="1805140"/>
           </a:xfrm>
         </p:spPr>
       </p:pic>

--- a/hw/hw304.pptx
+++ b/hw/hw304.pptx
@@ -2,7 +2,7 @@
 <file path=ppt/presentation.xml><?xml version="1.0" encoding="utf-8"?>
 <p:presentation xmlns:a="http://schemas.openxmlformats.org/drawingml/2006/main" xmlns:r="http://schemas.openxmlformats.org/officeDocument/2006/relationships" xmlns:p="http://schemas.openxmlformats.org/presentationml/2006/main" saveSubsetFonts="1">
   <p:sldMasterIdLst>
-    <p:sldMasterId id="2147483660" r:id="rId1"/>
+    <p:sldMasterId id="2147483672" r:id="rId1"/>
   </p:sldMasterIdLst>
   <p:sldIdLst>
     <p:sldId id="256" r:id="rId2"/>
@@ -112,7 +112,7 @@
 </file>
 
 <file path=ppt/slideLayouts/slideLayout1.xml><?xml version="1.0" encoding="utf-8"?>
-<p:sldLayout xmlns:a="http://schemas.openxmlformats.org/drawingml/2006/main" xmlns:r="http://schemas.openxmlformats.org/officeDocument/2006/relationships" xmlns:p="http://schemas.openxmlformats.org/presentationml/2006/main" showMasterSp="0" type="title" preserve="1">
+<p:sldLayout xmlns:a="http://schemas.openxmlformats.org/drawingml/2006/main" xmlns:r="http://schemas.openxmlformats.org/officeDocument/2006/relationships" xmlns:p="http://schemas.openxmlformats.org/presentationml/2006/main" type="title" preserve="1">
   <p:cSld name="標題投影片">
     <p:bg>
       <p:bgRef idx="1002">
@@ -135,203 +135,7 @@
       </p:grpSpPr>
       <p:sp>
         <p:nvSpPr>
-          <p:cNvPr id="7" name="手繪多邊形 6"/>
-          <p:cNvSpPr>
-            <a:spLocks/>
-          </p:cNvSpPr>
-          <p:nvPr/>
-        </p:nvSpPr>
-        <p:spPr bwMode="auto">
-          <a:xfrm>
-            <a:off x="0" y="4752126"/>
-            <a:ext cx="9144000" cy="2112962"/>
-          </a:xfrm>
-          <a:custGeom>
-            <a:avLst>
-              <a:gd name="A1" fmla="val 0"/>
-              <a:gd name="A2" fmla="val 0"/>
-              <a:gd name="A3" fmla="val 0"/>
-              <a:gd name="A4" fmla="val 0"/>
-              <a:gd name="A5" fmla="val 0"/>
-              <a:gd name="A6" fmla="val 0"/>
-              <a:gd name="A7" fmla="val 0"/>
-              <a:gd name="A8" fmla="val 0"/>
-            </a:avLst>
-            <a:gdLst/>
-            <a:ahLst/>
-            <a:cxnLst>
-              <a:cxn ang="0">
-                <a:pos x="0" y="1066"/>
-              </a:cxn>
-              <a:cxn ang="0">
-                <a:pos x="0" y="1331"/>
-              </a:cxn>
-              <a:cxn ang="0">
-                <a:pos x="5760" y="1331"/>
-              </a:cxn>
-              <a:cxn ang="0">
-                <a:pos x="5760" y="0"/>
-              </a:cxn>
-              <a:cxn ang="0">
-                <a:pos x="0" y="1066"/>
-              </a:cxn>
-            </a:cxnLst>
-            <a:rect l="0" t="0" r="0" b="0"/>
-            <a:pathLst>
-              <a:path w="5760" h="1331">
-                <a:moveTo>
-                  <a:pt x="0" y="1066"/>
-                </a:moveTo>
-                <a:lnTo>
-                  <a:pt x="0" y="1331"/>
-                </a:lnTo>
-                <a:lnTo>
-                  <a:pt x="5760" y="1331"/>
-                </a:lnTo>
-                <a:lnTo>
-                  <a:pt x="5760" y="0"/>
-                </a:lnTo>
-                <a:cubicBezTo>
-                  <a:pt x="3220" y="1206"/>
-                  <a:pt x="2250" y="1146"/>
-                  <a:pt x="0" y="1066"/>
-                </a:cubicBezTo>
-                <a:close/>
-              </a:path>
-            </a:pathLst>
-          </a:custGeom>
-          <a:solidFill>
-            <a:schemeClr val="bg1">
-              <a:tint val="80000"/>
-              <a:satMod val="200000"/>
-              <a:alpha val="45000"/>
-            </a:schemeClr>
-          </a:solidFill>
-          <a:ln w="9525" cap="flat" cmpd="sng" algn="ctr">
-            <a:noFill/>
-            <a:prstDash val="solid"/>
-            <a:round/>
-            <a:headEnd type="none" w="med" len="med"/>
-            <a:tailEnd type="none" w="med" len="med"/>
-          </a:ln>
-          <a:effectLst>
-            <a:outerShdw blurRad="50800" dist="44450" dir="16200000" algn="ctr" rotWithShape="0">
-              <a:prstClr val="black">
-                <a:alpha val="35000"/>
-              </a:prstClr>
-            </a:outerShdw>
-          </a:effectLst>
-        </p:spPr>
-        <p:txBody>
-          <a:bodyPr vert="horz" wrap="square" lIns="91440" tIns="45720" rIns="91440" bIns="45720" anchor="t" compatLnSpc="1"/>
-          <a:lstStyle/>
-          <a:p>
-            <a:endParaRPr kumimoji="0" lang="en-US"/>
-          </a:p>
-        </p:txBody>
-      </p:sp>
-      <p:sp>
-        <p:nvSpPr>
-          <p:cNvPr id="8" name="手繪多邊形 7"/>
-          <p:cNvSpPr>
-            <a:spLocks/>
-          </p:cNvSpPr>
-          <p:nvPr/>
-        </p:nvSpPr>
-        <p:spPr bwMode="auto">
-          <a:xfrm>
-            <a:off x="6105525" y="0"/>
-            <a:ext cx="3038475" cy="6858000"/>
-          </a:xfrm>
-          <a:custGeom>
-            <a:avLst/>
-            <a:gdLst>
-              <a:gd name="connsiteX0" fmla="*/ 1914 w 1914"/>
-              <a:gd name="connsiteY0" fmla="*/ 9 h 4329"/>
-              <a:gd name="connsiteX1" fmla="*/ 1914 w 1914"/>
-              <a:gd name="connsiteY1" fmla="*/ 4329 h 4329"/>
-              <a:gd name="connsiteX2" fmla="*/ 204 w 1914"/>
-              <a:gd name="connsiteY2" fmla="*/ 4327 h 4329"/>
-              <a:gd name="connsiteX3" fmla="*/ 0 w 1914"/>
-              <a:gd name="connsiteY3" fmla="*/ 0 h 4329"/>
-              <a:gd name="connsiteX4" fmla="*/ 1914 w 1914"/>
-              <a:gd name="connsiteY4" fmla="*/ 9 h 4329"/>
-            </a:gdLst>
-            <a:ahLst/>
-            <a:cxnLst>
-              <a:cxn ang="0">
-                <a:pos x="connsiteX0" y="connsiteY0"/>
-              </a:cxn>
-              <a:cxn ang="0">
-                <a:pos x="connsiteX1" y="connsiteY1"/>
-              </a:cxn>
-              <a:cxn ang="0">
-                <a:pos x="connsiteX2" y="connsiteY2"/>
-              </a:cxn>
-              <a:cxn ang="0">
-                <a:pos x="connsiteX3" y="connsiteY3"/>
-              </a:cxn>
-              <a:cxn ang="0">
-                <a:pos x="connsiteX4" y="connsiteY4"/>
-              </a:cxn>
-            </a:cxnLst>
-            <a:rect l="l" t="t" r="r" b="b"/>
-            <a:pathLst>
-              <a:path w="1914" h="4329">
-                <a:moveTo>
-                  <a:pt x="1914" y="9"/>
-                </a:moveTo>
-                <a:lnTo>
-                  <a:pt x="1914" y="4329"/>
-                </a:lnTo>
-                <a:lnTo>
-                  <a:pt x="204" y="4327"/>
-                </a:lnTo>
-                <a:cubicBezTo>
-                  <a:pt x="1288" y="3574"/>
-                  <a:pt x="1608" y="1590"/>
-                  <a:pt x="0" y="0"/>
-                </a:cubicBezTo>
-                <a:lnTo>
-                  <a:pt x="1914" y="9"/>
-                </a:lnTo>
-                <a:close/>
-              </a:path>
-            </a:pathLst>
-          </a:custGeom>
-          <a:solidFill>
-            <a:schemeClr val="bg1">
-              <a:tint val="90000"/>
-              <a:satMod val="350000"/>
-              <a:alpha val="40000"/>
-            </a:schemeClr>
-          </a:solidFill>
-          <a:ln w="9525" cap="flat" cmpd="sng" algn="ctr">
-            <a:noFill/>
-            <a:prstDash val="solid"/>
-            <a:round/>
-            <a:headEnd type="none" w="med" len="med"/>
-            <a:tailEnd type="none" w="med" len="med"/>
-          </a:ln>
-          <a:effectLst>
-            <a:outerShdw blurRad="50800" dist="50800" dir="10800000" algn="ctr" rotWithShape="0">
-              <a:prstClr val="black">
-                <a:alpha val="45000"/>
-              </a:prstClr>
-            </a:outerShdw>
-          </a:effectLst>
-        </p:spPr>
-        <p:txBody>
-          <a:bodyPr vert="horz" wrap="square" lIns="91440" tIns="45720" rIns="91440" bIns="45720" anchor="t" compatLnSpc="1"/>
-          <a:lstStyle/>
-          <a:p>
-            <a:endParaRPr kumimoji="0" lang="en-US"/>
-          </a:p>
-        </p:txBody>
-      </p:sp>
-      <p:sp>
-        <p:nvSpPr>
-          <p:cNvPr id="9" name="標題 8"/>
+          <p:cNvPr id="9" name="Title 8"/>
           <p:cNvSpPr>
             <a:spLocks noGrp="1"/>
           </p:cNvSpPr>
@@ -341,67 +145,55 @@
         </p:nvSpPr>
         <p:spPr>
           <a:xfrm>
-            <a:off x="429064" y="3337560"/>
-            <a:ext cx="6480048" cy="2301240"/>
+            <a:off x="533400" y="1371600"/>
+            <a:ext cx="7851648" cy="1828800"/>
           </a:xfrm>
+          <a:ln>
+            <a:noFill/>
+          </a:ln>
         </p:spPr>
         <p:txBody>
-          <a:bodyPr rIns="45720" anchor="t"/>
+          <a:bodyPr vert="horz" tIns="0" rIns="18288" bIns="0" anchor="b">
+            <a:normAutofit/>
+            <a:scene3d>
+              <a:camera prst="orthographicFront"/>
+              <a:lightRig rig="freezing" dir="t">
+                <a:rot lat="0" lon="0" rev="5640000"/>
+              </a:lightRig>
+            </a:scene3d>
+            <a:sp3d prstMaterial="flat">
+              <a:bevelT w="38100" h="38100"/>
+              <a:contourClr>
+                <a:schemeClr val="tx2"/>
+              </a:contourClr>
+            </a:sp3d>
+          </a:bodyPr>
           <a:lstStyle>
-            <a:lvl1pPr algn="r">
-              <a:defRPr lang="en-US" b="1" cap="all" baseline="0" dirty="0">
-                <a:ln w="5000" cmpd="sng">
-                  <a:solidFill>
-                    <a:schemeClr val="accent1">
-                      <a:tint val="80000"/>
-                      <a:shade val="99000"/>
-                      <a:satMod val="500000"/>
-                    </a:schemeClr>
-                  </a:solidFill>
-                  <a:prstDash val="solid"/>
+            <a:lvl1pPr algn="r" rtl="0">
+              <a:spcBef>
+                <a:spcPct val="0"/>
+              </a:spcBef>
+              <a:buNone/>
+              <a:defRPr sz="5600" b="1">
+                <a:ln>
+                  <a:noFill/>
                 </a:ln>
-                <a:gradFill>
-                  <a:gsLst>
-                    <a:gs pos="0">
-                      <a:schemeClr val="accent1">
-                        <a:tint val="63000"/>
-                        <a:satMod val="255000"/>
-                      </a:schemeClr>
-                    </a:gs>
-                    <a:gs pos="9000">
-                      <a:schemeClr val="accent1">
-                        <a:tint val="63000"/>
-                        <a:satMod val="255000"/>
-                      </a:schemeClr>
-                    </a:gs>
-                    <a:gs pos="53000">
-                      <a:schemeClr val="accent1">
-                        <a:shade val="60000"/>
-                        <a:satMod val="100000"/>
-                      </a:schemeClr>
-                    </a:gs>
-                    <a:gs pos="90000">
-                      <a:schemeClr val="accent1">
-                        <a:tint val="63000"/>
-                        <a:satMod val="255000"/>
-                      </a:schemeClr>
-                    </a:gs>
-                    <a:gs pos="100000">
-                      <a:schemeClr val="accent1">
-                        <a:tint val="63000"/>
-                        <a:satMod val="255000"/>
-                      </a:schemeClr>
-                    </a:gs>
-                  </a:gsLst>
-                  <a:lin ang="5400000"/>
-                </a:gradFill>
+                <a:solidFill>
+                  <a:schemeClr val="accent3">
+                    <a:tint val="90000"/>
+                    <a:satMod val="120000"/>
+                  </a:schemeClr>
+                </a:solidFill>
                 <a:effectLst>
-                  <a:outerShdw blurRad="50800" dist="38100" dir="5400000" algn="t" rotWithShape="0">
-                    <a:prstClr val="black">
-                      <a:alpha val="50000"/>
-                    </a:prstClr>
+                  <a:outerShdw blurRad="38100" dist="25400" dir="5400000" algn="tl" rotWithShape="0">
+                    <a:srgbClr val="000000">
+                      <a:alpha val="43000"/>
+                    </a:srgbClr>
                   </a:outerShdw>
                 </a:effectLst>
+                <a:latin typeface="+mj-lt"/>
+                <a:ea typeface="+mj-ea"/>
+                <a:cs typeface="+mj-cs"/>
               </a:defRPr>
             </a:lvl1pPr>
           </a:lstStyle>
@@ -416,7 +208,7 @@
       </p:sp>
       <p:sp>
         <p:nvSpPr>
-          <p:cNvPr id="17" name="副標題 16"/>
+          <p:cNvPr id="17" name="Subtitle 16"/>
           <p:cNvSpPr>
             <a:spLocks noGrp="1"/>
           </p:cNvSpPr>
@@ -426,22 +218,19 @@
         </p:nvSpPr>
         <p:spPr>
           <a:xfrm>
-            <a:off x="433050" y="1544812"/>
-            <a:ext cx="6480048" cy="1752600"/>
+            <a:off x="533400" y="3228536"/>
+            <a:ext cx="7854696" cy="1752600"/>
           </a:xfrm>
         </p:spPr>
         <p:txBody>
-          <a:bodyPr tIns="0" rIns="45720" bIns="0" anchor="b">
-            <a:normAutofit/>
-          </a:bodyPr>
+          <a:bodyPr lIns="0" rIns="18288"/>
           <a:lstStyle>
-            <a:lvl1pPr marL="0" indent="0" algn="r">
+            <a:lvl1pPr marL="0" marR="45720" indent="0" algn="r">
               <a:buNone/>
-              <a:defRPr sz="2000">
+              <a:defRPr>
                 <a:solidFill>
                   <a:schemeClr val="tx1"/>
                 </a:solidFill>
-                <a:effectLst/>
               </a:defRPr>
             </a:lvl1pPr>
             <a:lvl2pPr marL="457200" indent="0" algn="ctr">
@@ -480,7 +269,7 @@
       </p:sp>
       <p:sp>
         <p:nvSpPr>
-          <p:cNvPr id="30" name="日期版面配置區 29"/>
+          <p:cNvPr id="30" name="Date Placeholder 29"/>
           <p:cNvSpPr>
             <a:spLocks noGrp="1"/>
           </p:cNvSpPr>
@@ -503,7 +292,7 @@
       </p:sp>
       <p:sp>
         <p:nvSpPr>
-          <p:cNvPr id="19" name="頁尾版面配置區 18"/>
+          <p:cNvPr id="19" name="Footer Placeholder 18"/>
           <p:cNvSpPr>
             <a:spLocks noGrp="1"/>
           </p:cNvSpPr>
@@ -522,7 +311,7 @@
       </p:sp>
       <p:sp>
         <p:nvSpPr>
-          <p:cNvPr id="27" name="投影片編號版面配置區 26"/>
+          <p:cNvPr id="27" name="Slide Number Placeholder 26"/>
           <p:cNvSpPr>
             <a:spLocks noGrp="1"/>
           </p:cNvSpPr>
@@ -570,7 +359,7 @@
       </p:grpSpPr>
       <p:sp>
         <p:nvSpPr>
-          <p:cNvPr id="2" name="標題 1"/>
+          <p:cNvPr id="2" name="Title 1"/>
           <p:cNvSpPr>
             <a:spLocks noGrp="1"/>
           </p:cNvSpPr>
@@ -593,7 +382,7 @@
       </p:sp>
       <p:sp>
         <p:nvSpPr>
-          <p:cNvPr id="3" name="直排文字版面配置區 2"/>
+          <p:cNvPr id="3" name="Vertical Text Placeholder 2"/>
           <p:cNvSpPr>
             <a:spLocks noGrp="1"/>
           </p:cNvSpPr>
@@ -645,7 +434,7 @@
       </p:sp>
       <p:sp>
         <p:nvSpPr>
-          <p:cNvPr id="4" name="日期版面配置區 3"/>
+          <p:cNvPr id="4" name="Date Placeholder 3"/>
           <p:cNvSpPr>
             <a:spLocks noGrp="1"/>
           </p:cNvSpPr>
@@ -668,7 +457,7 @@
       </p:sp>
       <p:sp>
         <p:nvSpPr>
-          <p:cNvPr id="5" name="頁尾版面配置區 4"/>
+          <p:cNvPr id="5" name="Footer Placeholder 4"/>
           <p:cNvSpPr>
             <a:spLocks noGrp="1"/>
           </p:cNvSpPr>
@@ -687,7 +476,7 @@
       </p:sp>
       <p:sp>
         <p:nvSpPr>
-          <p:cNvPr id="6" name="投影片編號版面配置區 5"/>
+          <p:cNvPr id="6" name="Slide Number Placeholder 5"/>
           <p:cNvSpPr>
             <a:spLocks noGrp="1"/>
           </p:cNvSpPr>
@@ -735,7 +524,7 @@
       </p:grpSpPr>
       <p:sp>
         <p:nvSpPr>
-          <p:cNvPr id="2" name="直排標題 1"/>
+          <p:cNvPr id="2" name="Vertical Title 1"/>
           <p:cNvSpPr>
             <a:spLocks noGrp="1"/>
           </p:cNvSpPr>
@@ -745,8 +534,8 @@
         </p:nvSpPr>
         <p:spPr>
           <a:xfrm>
-            <a:off x="6629400" y="274638"/>
-            <a:ext cx="2057400" cy="5851525"/>
+            <a:off x="6629400" y="914401"/>
+            <a:ext cx="2057400" cy="5211763"/>
           </a:xfrm>
         </p:spPr>
         <p:txBody>
@@ -763,7 +552,7 @@
       </p:sp>
       <p:sp>
         <p:nvSpPr>
-          <p:cNvPr id="3" name="直排文字版面配置區 2"/>
+          <p:cNvPr id="3" name="Vertical Text Placeholder 2"/>
           <p:cNvSpPr>
             <a:spLocks noGrp="1"/>
           </p:cNvSpPr>
@@ -773,8 +562,8 @@
         </p:nvSpPr>
         <p:spPr>
           <a:xfrm>
-            <a:off x="457200" y="274638"/>
-            <a:ext cx="6019800" cy="5851525"/>
+            <a:off x="457200" y="914401"/>
+            <a:ext cx="6019800" cy="5211763"/>
           </a:xfrm>
         </p:spPr>
         <p:txBody>
@@ -820,7 +609,7 @@
       </p:sp>
       <p:sp>
         <p:nvSpPr>
-          <p:cNvPr id="4" name="日期版面配置區 3"/>
+          <p:cNvPr id="4" name="Date Placeholder 3"/>
           <p:cNvSpPr>
             <a:spLocks noGrp="1"/>
           </p:cNvSpPr>
@@ -843,7 +632,7 @@
       </p:sp>
       <p:sp>
         <p:nvSpPr>
-          <p:cNvPr id="5" name="頁尾版面配置區 4"/>
+          <p:cNvPr id="5" name="Footer Placeholder 4"/>
           <p:cNvSpPr>
             <a:spLocks noGrp="1"/>
           </p:cNvSpPr>
@@ -862,7 +651,7 @@
       </p:sp>
       <p:sp>
         <p:nvSpPr>
-          <p:cNvPr id="6" name="投影片編號版面配置區 5"/>
+          <p:cNvPr id="6" name="Slide Number Placeholder 5"/>
           <p:cNvSpPr>
             <a:spLocks noGrp="1"/>
           </p:cNvSpPr>
@@ -910,7 +699,7 @@
       </p:grpSpPr>
       <p:sp>
         <p:nvSpPr>
-          <p:cNvPr id="2" name="標題 1"/>
+          <p:cNvPr id="2" name="Title 1"/>
           <p:cNvSpPr>
             <a:spLocks noGrp="1"/>
           </p:cNvSpPr>
@@ -921,11 +710,7 @@
         <p:spPr/>
         <p:txBody>
           <a:bodyPr/>
-          <a:lstStyle>
-            <a:lvl1pPr algn="l">
-              <a:defRPr/>
-            </a:lvl1pPr>
-          </a:lstStyle>
+          <a:lstStyle/>
           <a:p>
             <a:r>
               <a:rPr kumimoji="0" lang="zh-TW" altLang="en-US" smtClean="0"/>
@@ -937,7 +722,7 @@
       </p:sp>
       <p:sp>
         <p:nvSpPr>
-          <p:cNvPr id="3" name="內容版面配置區 2"/>
+          <p:cNvPr id="3" name="Content Placeholder 2"/>
           <p:cNvSpPr>
             <a:spLocks noGrp="1"/>
           </p:cNvSpPr>
@@ -989,7 +774,7 @@
       </p:sp>
       <p:sp>
         <p:nvSpPr>
-          <p:cNvPr id="4" name="日期版面配置區 3"/>
+          <p:cNvPr id="4" name="Date Placeholder 3"/>
           <p:cNvSpPr>
             <a:spLocks noGrp="1"/>
           </p:cNvSpPr>
@@ -1012,7 +797,7 @@
       </p:sp>
       <p:sp>
         <p:nvSpPr>
-          <p:cNvPr id="5" name="頁尾版面配置區 4"/>
+          <p:cNvPr id="5" name="Footer Placeholder 4"/>
           <p:cNvSpPr>
             <a:spLocks noGrp="1"/>
           </p:cNvSpPr>
@@ -1031,7 +816,7 @@
       </p:sp>
       <p:sp>
         <p:nvSpPr>
-          <p:cNvPr id="6" name="投影片編號版面配置區 5"/>
+          <p:cNvPr id="6" name="Slide Number Placeholder 5"/>
           <p:cNvSpPr>
             <a:spLocks noGrp="1"/>
           </p:cNvSpPr>
@@ -1061,7 +846,7 @@
 </file>
 
 <file path=ppt/slideLayouts/slideLayout3.xml><?xml version="1.0" encoding="utf-8"?>
-<p:sldLayout xmlns:a="http://schemas.openxmlformats.org/drawingml/2006/main" xmlns:r="http://schemas.openxmlformats.org/officeDocument/2006/relationships" xmlns:p="http://schemas.openxmlformats.org/presentationml/2006/main" showMasterSp="0" type="secHead" preserve="1">
+<p:sldLayout xmlns:a="http://schemas.openxmlformats.org/drawingml/2006/main" xmlns:r="http://schemas.openxmlformats.org/officeDocument/2006/relationships" xmlns:p="http://schemas.openxmlformats.org/presentationml/2006/main" type="secHead" preserve="1">
   <p:cSld name="章節標題">
     <p:bg>
       <p:bgRef idx="1002">
@@ -1084,203 +869,7 @@
       </p:grpSpPr>
       <p:sp>
         <p:nvSpPr>
-          <p:cNvPr id="7" name="手繪多邊形 6"/>
-          <p:cNvSpPr>
-            <a:spLocks/>
-          </p:cNvSpPr>
-          <p:nvPr/>
-        </p:nvSpPr>
-        <p:spPr bwMode="auto">
-          <a:xfrm>
-            <a:off x="0" y="4752126"/>
-            <a:ext cx="9144000" cy="2112962"/>
-          </a:xfrm>
-          <a:custGeom>
-            <a:avLst>
-              <a:gd name="A1" fmla="val 0"/>
-              <a:gd name="A2" fmla="val 0"/>
-              <a:gd name="A3" fmla="val 0"/>
-              <a:gd name="A4" fmla="val 0"/>
-              <a:gd name="A5" fmla="val 0"/>
-              <a:gd name="A6" fmla="val 0"/>
-              <a:gd name="A7" fmla="val 0"/>
-              <a:gd name="A8" fmla="val 0"/>
-            </a:avLst>
-            <a:gdLst/>
-            <a:ahLst/>
-            <a:cxnLst>
-              <a:cxn ang="0">
-                <a:pos x="0" y="1066"/>
-              </a:cxn>
-              <a:cxn ang="0">
-                <a:pos x="0" y="1331"/>
-              </a:cxn>
-              <a:cxn ang="0">
-                <a:pos x="5760" y="1331"/>
-              </a:cxn>
-              <a:cxn ang="0">
-                <a:pos x="5760" y="0"/>
-              </a:cxn>
-              <a:cxn ang="0">
-                <a:pos x="0" y="1066"/>
-              </a:cxn>
-            </a:cxnLst>
-            <a:rect l="0" t="0" r="0" b="0"/>
-            <a:pathLst>
-              <a:path w="5760" h="1331">
-                <a:moveTo>
-                  <a:pt x="0" y="1066"/>
-                </a:moveTo>
-                <a:lnTo>
-                  <a:pt x="0" y="1331"/>
-                </a:lnTo>
-                <a:lnTo>
-                  <a:pt x="5760" y="1331"/>
-                </a:lnTo>
-                <a:lnTo>
-                  <a:pt x="5760" y="0"/>
-                </a:lnTo>
-                <a:cubicBezTo>
-                  <a:pt x="3220" y="1206"/>
-                  <a:pt x="2250" y="1146"/>
-                  <a:pt x="0" y="1066"/>
-                </a:cubicBezTo>
-                <a:close/>
-              </a:path>
-            </a:pathLst>
-          </a:custGeom>
-          <a:solidFill>
-            <a:schemeClr val="bg1">
-              <a:tint val="80000"/>
-              <a:satMod val="200000"/>
-              <a:alpha val="45000"/>
-            </a:schemeClr>
-          </a:solidFill>
-          <a:ln w="9525" cap="flat" cmpd="sng" algn="ctr">
-            <a:noFill/>
-            <a:prstDash val="solid"/>
-            <a:round/>
-            <a:headEnd type="none" w="med" len="med"/>
-            <a:tailEnd type="none" w="med" len="med"/>
-          </a:ln>
-          <a:effectLst>
-            <a:outerShdw blurRad="50800" dist="44450" dir="16200000" algn="ctr" rotWithShape="0">
-              <a:prstClr val="black">
-                <a:alpha val="35000"/>
-              </a:prstClr>
-            </a:outerShdw>
-          </a:effectLst>
-        </p:spPr>
-        <p:txBody>
-          <a:bodyPr vert="horz" wrap="square" lIns="91440" tIns="45720" rIns="91440" bIns="45720" anchor="t" compatLnSpc="1"/>
-          <a:lstStyle/>
-          <a:p>
-            <a:endParaRPr kumimoji="0" lang="en-US"/>
-          </a:p>
-        </p:txBody>
-      </p:sp>
-      <p:sp>
-        <p:nvSpPr>
-          <p:cNvPr id="9" name="手繪多邊形 8"/>
-          <p:cNvSpPr>
-            <a:spLocks/>
-          </p:cNvSpPr>
-          <p:nvPr/>
-        </p:nvSpPr>
-        <p:spPr bwMode="auto">
-          <a:xfrm>
-            <a:off x="6105525" y="0"/>
-            <a:ext cx="3038475" cy="6858000"/>
-          </a:xfrm>
-          <a:custGeom>
-            <a:avLst/>
-            <a:gdLst>
-              <a:gd name="connsiteX0" fmla="*/ 1914 w 1914"/>
-              <a:gd name="connsiteY0" fmla="*/ 9 h 4329"/>
-              <a:gd name="connsiteX1" fmla="*/ 1914 w 1914"/>
-              <a:gd name="connsiteY1" fmla="*/ 4329 h 4329"/>
-              <a:gd name="connsiteX2" fmla="*/ 204 w 1914"/>
-              <a:gd name="connsiteY2" fmla="*/ 4327 h 4329"/>
-              <a:gd name="connsiteX3" fmla="*/ 0 w 1914"/>
-              <a:gd name="connsiteY3" fmla="*/ 0 h 4329"/>
-              <a:gd name="connsiteX4" fmla="*/ 1914 w 1914"/>
-              <a:gd name="connsiteY4" fmla="*/ 9 h 4329"/>
-            </a:gdLst>
-            <a:ahLst/>
-            <a:cxnLst>
-              <a:cxn ang="0">
-                <a:pos x="connsiteX0" y="connsiteY0"/>
-              </a:cxn>
-              <a:cxn ang="0">
-                <a:pos x="connsiteX1" y="connsiteY1"/>
-              </a:cxn>
-              <a:cxn ang="0">
-                <a:pos x="connsiteX2" y="connsiteY2"/>
-              </a:cxn>
-              <a:cxn ang="0">
-                <a:pos x="connsiteX3" y="connsiteY3"/>
-              </a:cxn>
-              <a:cxn ang="0">
-                <a:pos x="connsiteX4" y="connsiteY4"/>
-              </a:cxn>
-            </a:cxnLst>
-            <a:rect l="l" t="t" r="r" b="b"/>
-            <a:pathLst>
-              <a:path w="1914" h="4329">
-                <a:moveTo>
-                  <a:pt x="1914" y="9"/>
-                </a:moveTo>
-                <a:lnTo>
-                  <a:pt x="1914" y="4329"/>
-                </a:lnTo>
-                <a:lnTo>
-                  <a:pt x="204" y="4327"/>
-                </a:lnTo>
-                <a:cubicBezTo>
-                  <a:pt x="1288" y="3574"/>
-                  <a:pt x="1608" y="1590"/>
-                  <a:pt x="0" y="0"/>
-                </a:cubicBezTo>
-                <a:lnTo>
-                  <a:pt x="1914" y="9"/>
-                </a:lnTo>
-                <a:close/>
-              </a:path>
-            </a:pathLst>
-          </a:custGeom>
-          <a:solidFill>
-            <a:schemeClr val="bg1">
-              <a:tint val="90000"/>
-              <a:satMod val="350000"/>
-              <a:alpha val="40000"/>
-            </a:schemeClr>
-          </a:solidFill>
-          <a:ln w="9525" cap="flat" cmpd="sng" algn="ctr">
-            <a:noFill/>
-            <a:prstDash val="solid"/>
-            <a:round/>
-            <a:headEnd type="none" w="med" len="med"/>
-            <a:tailEnd type="none" w="med" len="med"/>
-          </a:ln>
-          <a:effectLst>
-            <a:outerShdw blurRad="50800" dist="50800" dir="10800000" algn="ctr" rotWithShape="0">
-              <a:prstClr val="black">
-                <a:alpha val="45000"/>
-              </a:prstClr>
-            </a:outerShdw>
-          </a:effectLst>
-        </p:spPr>
-        <p:txBody>
-          <a:bodyPr vert="horz" wrap="square" lIns="91440" tIns="45720" rIns="91440" bIns="45720" anchor="t" compatLnSpc="1"/>
-          <a:lstStyle/>
-          <a:p>
-            <a:endParaRPr kumimoji="0" lang="en-US"/>
-          </a:p>
-        </p:txBody>
-      </p:sp>
-      <p:sp>
-        <p:nvSpPr>
-          <p:cNvPr id="2" name="標題 1"/>
+          <p:cNvPr id="2" name="Title 1"/>
           <p:cNvSpPr>
             <a:spLocks noGrp="1"/>
           </p:cNvSpPr>
@@ -1290,68 +879,52 @@
         </p:nvSpPr>
         <p:spPr>
           <a:xfrm>
-            <a:off x="685800" y="3583837"/>
-            <a:ext cx="6629400" cy="1826363"/>
+            <a:off x="530352" y="1316736"/>
+            <a:ext cx="7772400" cy="1362456"/>
           </a:xfrm>
+          <a:ln>
+            <a:noFill/>
+          </a:ln>
         </p:spPr>
         <p:txBody>
-          <a:bodyPr tIns="0" bIns="0" anchor="t"/>
+          <a:bodyPr vert="horz" tIns="0" bIns="0" anchor="b">
+            <a:noAutofit/>
+            <a:scene3d>
+              <a:camera prst="orthographicFront"/>
+              <a:lightRig rig="freezing" dir="t">
+                <a:rot lat="0" lon="0" rev="5640000"/>
+              </a:lightRig>
+            </a:scene3d>
+            <a:sp3d prstMaterial="flat">
+              <a:bevelT w="38100" h="38100"/>
+            </a:sp3d>
+          </a:bodyPr>
           <a:lstStyle>
-            <a:lvl1pPr algn="l">
+            <a:lvl1pPr algn="l" rtl="0">
+              <a:spcBef>
+                <a:spcPct val="0"/>
+              </a:spcBef>
               <a:buNone/>
-              <a:defRPr sz="4200" b="1" cap="none" baseline="0">
-                <a:ln w="5000" cmpd="sng">
-                  <a:solidFill>
-                    <a:schemeClr val="accent1">
-                      <a:tint val="80000"/>
-                      <a:shade val="99000"/>
-                      <a:satMod val="500000"/>
-                    </a:schemeClr>
-                  </a:solidFill>
-                  <a:prstDash val="solid"/>
+              <a:defRPr lang="en-US" sz="5600" b="1" cap="none" baseline="0" dirty="0">
+                <a:ln w="635">
+                  <a:noFill/>
                 </a:ln>
-                <a:gradFill>
-                  <a:gsLst>
-                    <a:gs pos="0">
-                      <a:schemeClr val="accent1">
-                        <a:tint val="63000"/>
-                        <a:satMod val="255000"/>
-                      </a:schemeClr>
-                    </a:gs>
-                    <a:gs pos="9000">
-                      <a:schemeClr val="accent1">
-                        <a:tint val="63000"/>
-                        <a:satMod val="255000"/>
-                      </a:schemeClr>
-                    </a:gs>
-                    <a:gs pos="53000">
-                      <a:schemeClr val="accent1">
-                        <a:shade val="60000"/>
-                        <a:satMod val="100000"/>
-                      </a:schemeClr>
-                    </a:gs>
-                    <a:gs pos="90000">
-                      <a:schemeClr val="accent1">
-                        <a:tint val="63000"/>
-                        <a:satMod val="255000"/>
-                      </a:schemeClr>
-                    </a:gs>
-                    <a:gs pos="100000">
-                      <a:schemeClr val="accent1">
-                        <a:tint val="63000"/>
-                        <a:satMod val="255000"/>
-                      </a:schemeClr>
-                    </a:gs>
-                  </a:gsLst>
-                  <a:lin ang="5400000"/>
-                </a:gradFill>
+                <a:solidFill>
+                  <a:schemeClr val="accent4">
+                    <a:tint val="90000"/>
+                    <a:satMod val="125000"/>
+                  </a:schemeClr>
+                </a:solidFill>
                 <a:effectLst>
-                  <a:outerShdw blurRad="50800" dist="38100" dir="5400000" algn="t" rotWithShape="0">
-                    <a:prstClr val="black">
-                      <a:alpha val="50000"/>
-                    </a:prstClr>
+                  <a:outerShdw blurRad="38100" dist="25400" dir="5400000" algn="tl" rotWithShape="0">
+                    <a:srgbClr val="000000">
+                      <a:alpha val="43000"/>
+                    </a:srgbClr>
                   </a:outerShdw>
                 </a:effectLst>
+                <a:latin typeface="+mj-lt"/>
+                <a:ea typeface="+mj-ea"/>
+                <a:cs typeface="+mj-cs"/>
               </a:defRPr>
             </a:lvl1pPr>
           </a:lstStyle>
@@ -1366,7 +939,7 @@
       </p:sp>
       <p:sp>
         <p:nvSpPr>
-          <p:cNvPr id="3" name="文字版面配置區 2"/>
+          <p:cNvPr id="3" name="Text Placeholder 2"/>
           <p:cNvSpPr>
             <a:spLocks noGrp="1"/>
           </p:cNvSpPr>
@@ -1376,20 +949,19 @@
         </p:nvSpPr>
         <p:spPr>
           <a:xfrm>
-            <a:off x="685800" y="2485800"/>
-            <a:ext cx="6629400" cy="1066688"/>
+            <a:off x="530352" y="2704664"/>
+            <a:ext cx="7772400" cy="1509712"/>
           </a:xfrm>
         </p:spPr>
         <p:txBody>
-          <a:bodyPr lIns="45720" tIns="0" rIns="45720" bIns="0" anchor="b"/>
+          <a:bodyPr lIns="45720" rIns="45720" anchor="t"/>
           <a:lstStyle>
-            <a:lvl1pPr marL="0" indent="0" algn="l">
+            <a:lvl1pPr marL="0" indent="0">
               <a:buNone/>
-              <a:defRPr sz="2000">
+              <a:defRPr sz="2200">
                 <a:solidFill>
                   <a:schemeClr val="tx1"/>
                 </a:solidFill>
-                <a:effectLst/>
               </a:defRPr>
             </a:lvl1pPr>
             <a:lvl2pPr>
@@ -1444,7 +1016,7 @@
       </p:sp>
       <p:sp>
         <p:nvSpPr>
-          <p:cNvPr id="4" name="日期版面配置區 3"/>
+          <p:cNvPr id="4" name="Date Placeholder 3"/>
           <p:cNvSpPr>
             <a:spLocks noGrp="1"/>
           </p:cNvSpPr>
@@ -1467,7 +1039,7 @@
       </p:sp>
       <p:sp>
         <p:nvSpPr>
-          <p:cNvPr id="5" name="頁尾版面配置區 4"/>
+          <p:cNvPr id="5" name="Footer Placeholder 4"/>
           <p:cNvSpPr>
             <a:spLocks noGrp="1"/>
           </p:cNvSpPr>
@@ -1486,7 +1058,7 @@
       </p:sp>
       <p:sp>
         <p:nvSpPr>
-          <p:cNvPr id="6" name="投影片編號版面配置區 5"/>
+          <p:cNvPr id="6" name="Slide Number Placeholder 5"/>
           <p:cNvSpPr>
             <a:spLocks noGrp="1"/>
           </p:cNvSpPr>
@@ -1534,7 +1106,7 @@
       </p:grpSpPr>
       <p:sp>
         <p:nvSpPr>
-          <p:cNvPr id="2" name="標題 1"/>
+          <p:cNvPr id="2" name="Title 1"/>
           <p:cNvSpPr>
             <a:spLocks noGrp="1"/>
           </p:cNvSpPr>
@@ -1544,8 +1116,8 @@
         </p:nvSpPr>
         <p:spPr>
           <a:xfrm>
-            <a:off x="457200" y="274638"/>
-            <a:ext cx="7467600" cy="1143000"/>
+            <a:off x="457200" y="704088"/>
+            <a:ext cx="8229600" cy="1143000"/>
           </a:xfrm>
         </p:spPr>
         <p:txBody>
@@ -1562,7 +1134,7 @@
       </p:sp>
       <p:sp>
         <p:nvSpPr>
-          <p:cNvPr id="3" name="內容版面配置區 2"/>
+          <p:cNvPr id="3" name="Content Placeholder 2"/>
           <p:cNvSpPr>
             <a:spLocks noGrp="1"/>
           </p:cNvSpPr>
@@ -1572,8 +1144,8 @@
         </p:nvSpPr>
         <p:spPr>
           <a:xfrm>
-            <a:off x="457200" y="1600200"/>
-            <a:ext cx="3657600" cy="4525963"/>
+            <a:off x="457200" y="1920085"/>
+            <a:ext cx="4038600" cy="4434840"/>
           </a:xfrm>
         </p:spPr>
         <p:txBody>
@@ -1583,7 +1155,7 @@
               <a:defRPr sz="2600"/>
             </a:lvl1pPr>
             <a:lvl2pPr>
-              <a:defRPr sz="2200"/>
+              <a:defRPr sz="2400"/>
             </a:lvl2pPr>
             <a:lvl3pPr>
               <a:defRPr sz="2000"/>
@@ -1635,7 +1207,7 @@
       </p:sp>
       <p:sp>
         <p:nvSpPr>
-          <p:cNvPr id="4" name="內容版面配置區 3"/>
+          <p:cNvPr id="4" name="Content Placeholder 3"/>
           <p:cNvSpPr>
             <a:spLocks noGrp="1"/>
           </p:cNvSpPr>
@@ -1645,8 +1217,8 @@
         </p:nvSpPr>
         <p:spPr>
           <a:xfrm>
-            <a:off x="4267200" y="1600200"/>
-            <a:ext cx="3657600" cy="4525963"/>
+            <a:off x="4648200" y="1920085"/>
+            <a:ext cx="4038600" cy="4434840"/>
           </a:xfrm>
         </p:spPr>
         <p:txBody>
@@ -1656,7 +1228,7 @@
               <a:defRPr sz="2600"/>
             </a:lvl1pPr>
             <a:lvl2pPr>
-              <a:defRPr sz="2200"/>
+              <a:defRPr sz="2400"/>
             </a:lvl2pPr>
             <a:lvl3pPr>
               <a:defRPr sz="2000"/>
@@ -1708,7 +1280,7 @@
       </p:sp>
       <p:sp>
         <p:nvSpPr>
-          <p:cNvPr id="5" name="日期版面配置區 4"/>
+          <p:cNvPr id="5" name="Date Placeholder 4"/>
           <p:cNvSpPr>
             <a:spLocks noGrp="1"/>
           </p:cNvSpPr>
@@ -1731,7 +1303,7 @@
       </p:sp>
       <p:sp>
         <p:nvSpPr>
-          <p:cNvPr id="6" name="頁尾版面配置區 5"/>
+          <p:cNvPr id="6" name="Footer Placeholder 5"/>
           <p:cNvSpPr>
             <a:spLocks noGrp="1"/>
           </p:cNvSpPr>
@@ -1750,7 +1322,7 @@
       </p:sp>
       <p:sp>
         <p:nvSpPr>
-          <p:cNvPr id="7" name="投影片編號版面配置區 6"/>
+          <p:cNvPr id="7" name="Slide Number Placeholder 6"/>
           <p:cNvSpPr>
             <a:spLocks noGrp="1"/>
           </p:cNvSpPr>
@@ -1780,7 +1352,7 @@
 </file>
 
 <file path=ppt/slideLayouts/slideLayout5.xml><?xml version="1.0" encoding="utf-8"?>
-<p:sldLayout xmlns:a="http://schemas.openxmlformats.org/drawingml/2006/main" xmlns:r="http://schemas.openxmlformats.org/officeDocument/2006/relationships" xmlns:p="http://schemas.openxmlformats.org/presentationml/2006/main" showMasterSp="0" type="twoTxTwoObj" preserve="1">
+<p:sldLayout xmlns:a="http://schemas.openxmlformats.org/drawingml/2006/main" xmlns:r="http://schemas.openxmlformats.org/officeDocument/2006/relationships" xmlns:p="http://schemas.openxmlformats.org/presentationml/2006/main" type="twoTxTwoObj" preserve="1">
   <p:cSld name="比對">
     <p:spTree>
       <p:nvGrpSpPr>
@@ -1798,7 +1370,7 @@
       </p:grpSpPr>
       <p:sp>
         <p:nvSpPr>
-          <p:cNvPr id="2" name="標題 1"/>
+          <p:cNvPr id="2" name="Title 1"/>
           <p:cNvSpPr>
             <a:spLocks noGrp="1"/>
           </p:cNvSpPr>
@@ -1808,12 +1380,12 @@
         </p:nvSpPr>
         <p:spPr>
           <a:xfrm>
-            <a:off x="457200" y="273050"/>
+            <a:off x="457200" y="704088"/>
             <a:ext cx="8229600" cy="1143000"/>
           </a:xfrm>
         </p:spPr>
         <p:txBody>
-          <a:bodyPr anchor="ctr"/>
+          <a:bodyPr tIns="45720" anchor="b"/>
           <a:lstStyle>
             <a:lvl1pPr>
               <a:defRPr/>
@@ -1830,7 +1402,7 @@
       </p:sp>
       <p:sp>
         <p:nvSpPr>
-          <p:cNvPr id="3" name="文字版面配置區 2"/>
+          <p:cNvPr id="3" name="Text Placeholder 2"/>
           <p:cNvSpPr>
             <a:spLocks noGrp="1"/>
           </p:cNvSpPr>
@@ -1840,19 +1412,22 @@
         </p:nvSpPr>
         <p:spPr>
           <a:xfrm>
-            <a:off x="457200" y="5486400"/>
-            <a:ext cx="4040188" cy="838200"/>
+            <a:off x="457200" y="1855248"/>
+            <a:ext cx="4040188" cy="659352"/>
           </a:xfrm>
         </p:spPr>
         <p:txBody>
-          <a:bodyPr anchor="t"/>
+          <a:bodyPr lIns="45720" tIns="0" rIns="45720" bIns="0" anchor="ctr">
+            <a:noAutofit/>
+          </a:bodyPr>
           <a:lstStyle>
             <a:lvl1pPr marL="0" indent="0">
               <a:buNone/>
-              <a:defRPr sz="2400" b="1">
+              <a:defRPr sz="2400" b="1" cap="none" baseline="0">
                 <a:solidFill>
-                  <a:schemeClr val="accent1"/>
+                  <a:schemeClr val="tx2"/>
                 </a:solidFill>
+                <a:effectLst/>
               </a:defRPr>
             </a:lvl1pPr>
             <a:lvl2pPr>
@@ -1883,7 +1458,7 @@
       </p:sp>
       <p:sp>
         <p:nvSpPr>
-          <p:cNvPr id="4" name="文字版面配置區 3"/>
+          <p:cNvPr id="4" name="Text Placeholder 3"/>
           <p:cNvSpPr>
             <a:spLocks noGrp="1"/>
           </p:cNvSpPr>
@@ -1893,19 +1468,20 @@
         </p:nvSpPr>
         <p:spPr>
           <a:xfrm>
-            <a:off x="4645025" y="5486400"/>
-            <a:ext cx="4041775" cy="838200"/>
+            <a:off x="4645025" y="1859757"/>
+            <a:ext cx="4041775" cy="654843"/>
           </a:xfrm>
         </p:spPr>
         <p:txBody>
-          <a:bodyPr anchor="t"/>
+          <a:bodyPr lIns="45720" tIns="0" rIns="45720" bIns="0" anchor="ctr"/>
           <a:lstStyle>
             <a:lvl1pPr marL="0" indent="0">
               <a:buNone/>
-              <a:defRPr sz="2400" b="1">
+              <a:defRPr sz="2400" b="1" cap="none" baseline="0">
                 <a:solidFill>
-                  <a:schemeClr val="accent1"/>
+                  <a:schemeClr val="tx2"/>
                 </a:solidFill>
+                <a:effectLst/>
               </a:defRPr>
             </a:lvl1pPr>
             <a:lvl2pPr>
@@ -1936,7 +1512,7 @@
       </p:sp>
       <p:sp>
         <p:nvSpPr>
-          <p:cNvPr id="5" name="內容版面配置區 4"/>
+          <p:cNvPr id="5" name="Content Placeholder 4"/>
           <p:cNvSpPr>
             <a:spLocks noGrp="1"/>
           </p:cNvSpPr>
@@ -1946,15 +1522,15 @@
         </p:nvSpPr>
         <p:spPr>
           <a:xfrm>
-            <a:off x="457200" y="1516912"/>
-            <a:ext cx="4040188" cy="3941763"/>
+            <a:off x="457200" y="2514600"/>
+            <a:ext cx="4040188" cy="3845720"/>
           </a:xfrm>
         </p:spPr>
         <p:txBody>
-          <a:bodyPr/>
+          <a:bodyPr tIns="0"/>
           <a:lstStyle>
             <a:lvl1pPr>
-              <a:defRPr sz="2400"/>
+              <a:defRPr sz="2200"/>
             </a:lvl1pPr>
             <a:lvl2pPr>
               <a:defRPr sz="2000"/>
@@ -2009,7 +1585,7 @@
       </p:sp>
       <p:sp>
         <p:nvSpPr>
-          <p:cNvPr id="6" name="內容版面配置區 5"/>
+          <p:cNvPr id="6" name="Content Placeholder 5"/>
           <p:cNvSpPr>
             <a:spLocks noGrp="1"/>
           </p:cNvSpPr>
@@ -2019,15 +1595,15 @@
         </p:nvSpPr>
         <p:spPr>
           <a:xfrm>
-            <a:off x="4645025" y="1516912"/>
-            <a:ext cx="4041775" cy="3941763"/>
+            <a:off x="4645025" y="2514600"/>
+            <a:ext cx="4041775" cy="3845720"/>
           </a:xfrm>
         </p:spPr>
         <p:txBody>
-          <a:bodyPr/>
+          <a:bodyPr tIns="0"/>
           <a:lstStyle>
             <a:lvl1pPr>
-              <a:defRPr sz="2400"/>
+              <a:defRPr sz="2200"/>
             </a:lvl1pPr>
             <a:lvl2pPr>
               <a:defRPr sz="2000"/>
@@ -2082,7 +1658,7 @@
       </p:sp>
       <p:sp>
         <p:nvSpPr>
-          <p:cNvPr id="7" name="日期版面配置區 6"/>
+          <p:cNvPr id="7" name="Date Placeholder 6"/>
           <p:cNvSpPr>
             <a:spLocks noGrp="1"/>
           </p:cNvSpPr>
@@ -2105,7 +1681,7 @@
       </p:sp>
       <p:sp>
         <p:nvSpPr>
-          <p:cNvPr id="8" name="頁尾版面配置區 7"/>
+          <p:cNvPr id="8" name="Footer Placeholder 7"/>
           <p:cNvSpPr>
             <a:spLocks noGrp="1"/>
           </p:cNvSpPr>
@@ -2124,7 +1700,7 @@
       </p:sp>
       <p:sp>
         <p:nvSpPr>
-          <p:cNvPr id="9" name="投影片編號版面配置區 8"/>
+          <p:cNvPr id="9" name="Slide Number Placeholder 8"/>
           <p:cNvSpPr>
             <a:spLocks noGrp="1"/>
           </p:cNvSpPr>
@@ -2172,7 +1748,7 @@
       </p:grpSpPr>
       <p:sp>
         <p:nvSpPr>
-          <p:cNvPr id="2" name="標題 1"/>
+          <p:cNvPr id="2" name="Title 1"/>
           <p:cNvSpPr>
             <a:spLocks noGrp="1"/>
           </p:cNvSpPr>
@@ -2182,15 +1758,43 @@
         </p:nvSpPr>
         <p:spPr>
           <a:xfrm>
-            <a:off x="457200" y="274320"/>
-            <a:ext cx="7470648" cy="1143000"/>
+            <a:off x="457200" y="704088"/>
+            <a:ext cx="8305800" cy="1143000"/>
           </a:xfrm>
         </p:spPr>
         <p:txBody>
-          <a:bodyPr anchor="ctr"/>
+          <a:bodyPr vert="horz" tIns="45720" bIns="0" anchor="b">
+            <a:normAutofit/>
+            <a:scene3d>
+              <a:camera prst="orthographicFront"/>
+              <a:lightRig rig="freezing" dir="t">
+                <a:rot lat="0" lon="0" rev="5640000"/>
+              </a:lightRig>
+            </a:scene3d>
+            <a:sp3d prstMaterial="flat">
+              <a:contourClr>
+                <a:schemeClr val="tx2"/>
+              </a:contourClr>
+            </a:sp3d>
+          </a:bodyPr>
           <a:lstStyle>
-            <a:lvl1pPr algn="l">
-              <a:defRPr sz="4600"/>
+            <a:lvl1pPr algn="l" rtl="0">
+              <a:spcBef>
+                <a:spcPct val="0"/>
+              </a:spcBef>
+              <a:buNone/>
+              <a:defRPr sz="5000" b="0">
+                <a:ln>
+                  <a:noFill/>
+                </a:ln>
+                <a:solidFill>
+                  <a:schemeClr val="tx2"/>
+                </a:solidFill>
+                <a:effectLst/>
+                <a:latin typeface="+mj-lt"/>
+                <a:ea typeface="+mj-ea"/>
+                <a:cs typeface="+mj-cs"/>
+              </a:defRPr>
             </a:lvl1pPr>
           </a:lstStyle>
           <a:p>
@@ -2204,7 +1808,7 @@
       </p:sp>
       <p:sp>
         <p:nvSpPr>
-          <p:cNvPr id="7" name="日期版面配置區 6"/>
+          <p:cNvPr id="3" name="Date Placeholder 2"/>
           <p:cNvSpPr>
             <a:spLocks noGrp="1"/>
           </p:cNvSpPr>
@@ -2227,12 +1831,31 @@
       </p:sp>
       <p:sp>
         <p:nvSpPr>
-          <p:cNvPr id="8" name="投影片編號版面配置區 7"/>
-          <p:cNvSpPr>
-            <a:spLocks noGrp="1"/>
-          </p:cNvSpPr>
-          <p:nvPr>
-            <p:ph type="sldNum" sz="quarter" idx="11"/>
+          <p:cNvPr id="4" name="Footer Placeholder 3"/>
+          <p:cNvSpPr>
+            <a:spLocks noGrp="1"/>
+          </p:cNvSpPr>
+          <p:nvPr>
+            <p:ph type="ftr" sz="quarter" idx="11"/>
+          </p:nvPr>
+        </p:nvSpPr>
+        <p:spPr/>
+        <p:txBody>
+          <a:bodyPr/>
+          <a:lstStyle/>
+          <a:p>
+            <a:endParaRPr lang="zh-TW" altLang="en-US"/>
+          </a:p>
+        </p:txBody>
+      </p:sp>
+      <p:sp>
+        <p:nvSpPr>
+          <p:cNvPr id="5" name="Slide Number Placeholder 4"/>
+          <p:cNvSpPr>
+            <a:spLocks noGrp="1"/>
+          </p:cNvSpPr>
+          <p:nvPr>
+            <p:ph type="sldNum" sz="quarter" idx="12"/>
           </p:nvPr>
         </p:nvSpPr>
         <p:spPr/>
@@ -2244,25 +1867,6 @@
               <a:rPr lang="zh-TW" altLang="en-US" smtClean="0"/>
               <a:t>‹#›</a:t>
             </a:fld>
-            <a:endParaRPr lang="zh-TW" altLang="en-US"/>
-          </a:p>
-        </p:txBody>
-      </p:sp>
-      <p:sp>
-        <p:nvSpPr>
-          <p:cNvPr id="9" name="頁尾版面配置區 8"/>
-          <p:cNvSpPr>
-            <a:spLocks noGrp="1"/>
-          </p:cNvSpPr>
-          <p:nvPr>
-            <p:ph type="ftr" sz="quarter" idx="12"/>
-          </p:nvPr>
-        </p:nvSpPr>
-        <p:spPr/>
-        <p:txBody>
-          <a:bodyPr/>
-          <a:lstStyle/>
-          <a:p>
             <a:endParaRPr lang="zh-TW" altLang="en-US"/>
           </a:p>
         </p:txBody>
@@ -2294,7 +1898,7 @@
       </p:grpSpPr>
       <p:sp>
         <p:nvSpPr>
-          <p:cNvPr id="2" name="日期版面配置區 1"/>
+          <p:cNvPr id="2" name="Date Placeholder 1"/>
           <p:cNvSpPr>
             <a:spLocks noGrp="1"/>
           </p:cNvSpPr>
@@ -2317,7 +1921,7 @@
       </p:sp>
       <p:sp>
         <p:nvSpPr>
-          <p:cNvPr id="3" name="頁尾版面配置區 2"/>
+          <p:cNvPr id="3" name="Footer Placeholder 2"/>
           <p:cNvSpPr>
             <a:spLocks noGrp="1"/>
           </p:cNvSpPr>
@@ -2336,7 +1940,7 @@
       </p:sp>
       <p:sp>
         <p:nvSpPr>
-          <p:cNvPr id="4" name="投影片編號版面配置區 3"/>
+          <p:cNvPr id="4" name="Slide Number Placeholder 3"/>
           <p:cNvSpPr>
             <a:spLocks noGrp="1"/>
           </p:cNvSpPr>
@@ -2384,7 +1988,7 @@
       </p:grpSpPr>
       <p:sp>
         <p:nvSpPr>
-          <p:cNvPr id="2" name="標題 1"/>
+          <p:cNvPr id="2" name="Title 1"/>
           <p:cNvSpPr>
             <a:spLocks noGrp="1"/>
           </p:cNvSpPr>
@@ -2394,19 +1998,31 @@
         </p:nvSpPr>
         <p:spPr>
           <a:xfrm>
-            <a:off x="457200" y="1185528"/>
-            <a:ext cx="3200400" cy="730250"/>
+            <a:off x="685800" y="514352"/>
+            <a:ext cx="2743200" cy="1162050"/>
           </a:xfrm>
         </p:spPr>
         <p:txBody>
-          <a:bodyPr tIns="0" bIns="0" anchor="t"/>
+          <a:bodyPr lIns="0" anchor="b">
+            <a:noAutofit/>
+          </a:bodyPr>
           <a:lstStyle>
-            <a:lvl1pPr algn="l">
+            <a:lvl1pPr algn="l" rtl="0">
+              <a:spcBef>
+                <a:spcPct val="0"/>
+              </a:spcBef>
               <a:buNone/>
-              <a:defRPr sz="1800" b="1">
+              <a:defRPr sz="2600" b="0">
+                <a:ln>
+                  <a:noFill/>
+                </a:ln>
                 <a:solidFill>
-                  <a:schemeClr val="accent1"/>
+                  <a:schemeClr val="tx2"/>
                 </a:solidFill>
+                <a:effectLst/>
+                <a:latin typeface="+mj-lt"/>
+                <a:ea typeface="+mj-ea"/>
+                <a:cs typeface="+mj-cs"/>
               </a:defRPr>
             </a:lvl1pPr>
           </a:lstStyle>
@@ -2421,7 +2037,7 @@
       </p:sp>
       <p:sp>
         <p:nvSpPr>
-          <p:cNvPr id="3" name="文字版面配置區 2"/>
+          <p:cNvPr id="3" name="Text Placeholder 2"/>
           <p:cNvSpPr>
             <a:spLocks noGrp="1"/>
           </p:cNvSpPr>
@@ -2431,30 +2047,30 @@
         </p:nvSpPr>
         <p:spPr>
           <a:xfrm>
-            <a:off x="457200" y="214424"/>
-            <a:ext cx="2743200" cy="914400"/>
+            <a:off x="685800" y="1676400"/>
+            <a:ext cx="2743200" cy="4572000"/>
           </a:xfrm>
         </p:spPr>
         <p:txBody>
-          <a:bodyPr lIns="45720" tIns="0" rIns="45720" bIns="0" anchor="b"/>
+          <a:bodyPr lIns="18288" rIns="18288"/>
           <a:lstStyle>
             <a:lvl1pPr marL="0" indent="0" algn="l">
               <a:buNone/>
               <a:defRPr sz="1400"/>
             </a:lvl1pPr>
-            <a:lvl2pPr>
+            <a:lvl2pPr indent="0" algn="l">
               <a:buNone/>
               <a:defRPr sz="1200"/>
             </a:lvl2pPr>
-            <a:lvl3pPr>
+            <a:lvl3pPr indent="0" algn="l">
               <a:buNone/>
               <a:defRPr sz="1000"/>
             </a:lvl3pPr>
-            <a:lvl4pPr>
+            <a:lvl4pPr indent="0" algn="l">
               <a:buNone/>
               <a:defRPr sz="900"/>
             </a:lvl4pPr>
-            <a:lvl5pPr>
+            <a:lvl5pPr indent="0" algn="l">
               <a:buNone/>
               <a:defRPr sz="900"/>
             </a:lvl5pPr>
@@ -2470,7 +2086,7 @@
       </p:sp>
       <p:sp>
         <p:nvSpPr>
-          <p:cNvPr id="4" name="內容版面配置區 3"/>
+          <p:cNvPr id="4" name="Content Placeholder 3"/>
           <p:cNvSpPr>
             <a:spLocks noGrp="1"/>
           </p:cNvSpPr>
@@ -2480,27 +2096,27 @@
         </p:nvSpPr>
         <p:spPr>
           <a:xfrm>
-            <a:off x="457200" y="1981200"/>
-            <a:ext cx="7086600" cy="3810000"/>
+            <a:off x="3575050" y="1676400"/>
+            <a:ext cx="5111750" cy="4572000"/>
           </a:xfrm>
         </p:spPr>
         <p:txBody>
-          <a:bodyPr/>
+          <a:bodyPr tIns="0"/>
           <a:lstStyle>
             <a:lvl1pPr>
               <a:defRPr sz="2800"/>
             </a:lvl1pPr>
             <a:lvl2pPr>
-              <a:defRPr sz="2400"/>
+              <a:defRPr sz="2600"/>
             </a:lvl2pPr>
             <a:lvl3pPr>
-              <a:defRPr sz="2200"/>
+              <a:defRPr sz="2400"/>
             </a:lvl3pPr>
             <a:lvl4pPr>
               <a:defRPr sz="2000"/>
             </a:lvl4pPr>
             <a:lvl5pPr>
-              <a:defRPr sz="2000"/>
+              <a:defRPr sz="1800"/>
             </a:lvl5pPr>
           </a:lstStyle>
           <a:p>
@@ -2543,7 +2159,7 @@
       </p:sp>
       <p:sp>
         <p:nvSpPr>
-          <p:cNvPr id="5" name="日期版面配置區 4"/>
+          <p:cNvPr id="5" name="Date Placeholder 4"/>
           <p:cNvSpPr>
             <a:spLocks noGrp="1"/>
           </p:cNvSpPr>
@@ -2566,7 +2182,7 @@
       </p:sp>
       <p:sp>
         <p:nvSpPr>
-          <p:cNvPr id="6" name="頁尾版面配置區 5"/>
+          <p:cNvPr id="6" name="Footer Placeholder 5"/>
           <p:cNvSpPr>
             <a:spLocks noGrp="1"/>
           </p:cNvSpPr>
@@ -2585,7 +2201,7 @@
       </p:sp>
       <p:sp>
         <p:nvSpPr>
-          <p:cNvPr id="7" name="投影片編號版面配置區 6"/>
+          <p:cNvPr id="7" name="Slide Number Placeholder 6"/>
           <p:cNvSpPr>
             <a:spLocks noGrp="1"/>
           </p:cNvSpPr>
@@ -2593,12 +2209,7 @@
             <p:ph type="sldNum" sz="quarter" idx="12"/>
           </p:nvPr>
         </p:nvSpPr>
-        <p:spPr>
-          <a:xfrm>
-            <a:off x="8156448" y="6422064"/>
-            <a:ext cx="762000" cy="365125"/>
-          </a:xfrm>
-        </p:spPr>
+        <p:spPr/>
         <p:txBody>
           <a:bodyPr/>
           <a:lstStyle/>
@@ -2638,91 +2249,300 @@
       </p:grpSpPr>
       <p:sp>
         <p:nvSpPr>
-          <p:cNvPr id="2" name="標題 1"/>
-          <p:cNvSpPr>
-            <a:spLocks noGrp="1"/>
-          </p:cNvSpPr>
-          <p:nvPr>
-            <p:ph type="title"/>
-          </p:nvPr>
+          <p:cNvPr id="9" name="Snip and Round Single Corner Rectangle 8"/>
+          <p:cNvSpPr/>
+          <p:nvPr/>
         </p:nvSpPr>
         <p:spPr>
-          <a:xfrm>
-            <a:off x="5556732" y="1705709"/>
-            <a:ext cx="3053868" cy="1253808"/>
+          <a:xfrm rot="420000" flipV="1">
+            <a:off x="3165753" y="1108077"/>
+            <a:ext cx="5257800" cy="4114800"/>
           </a:xfrm>
-        </p:spPr>
-        <p:txBody>
-          <a:bodyPr anchor="b"/>
-          <a:lstStyle>
-            <a:lvl1pPr algn="l">
-              <a:buNone/>
-              <a:defRPr sz="2200" b="1">
-                <a:solidFill>
-                  <a:schemeClr val="accent1"/>
-                </a:solidFill>
-              </a:defRPr>
-            </a:lvl1pPr>
-          </a:lstStyle>
-          <a:p>
-            <a:r>
-              <a:rPr kumimoji="0" lang="zh-TW" altLang="en-US" smtClean="0"/>
-              <a:t>按一下以編輯母片標題樣式</a:t>
-            </a:r>
-            <a:endParaRPr kumimoji="0" lang="en-US"/>
-          </a:p>
-        </p:txBody>
-      </p:sp>
-      <p:sp>
-        <p:nvSpPr>
-          <p:cNvPr id="3" name="圖片版面配置區 2"/>
-          <p:cNvSpPr>
-            <a:spLocks noGrp="1"/>
-          </p:cNvSpPr>
-          <p:nvPr>
-            <p:ph type="pic" idx="1"/>
-          </p:nvPr>
-        </p:nvSpPr>
-        <p:spPr>
-          <a:xfrm>
-            <a:off x="1065628" y="1019907"/>
-            <a:ext cx="4114800" cy="4114800"/>
-          </a:xfrm>
-          <a:prstGeom prst="ellipse">
-            <a:avLst/>
+          <a:prstGeom prst="snipRoundRect">
+            <a:avLst>
+              <a:gd name="adj1" fmla="val 0"/>
+              <a:gd name="adj2" fmla="val 3646"/>
+            </a:avLst>
           </a:prstGeom>
           <a:solidFill>
-            <a:schemeClr val="bg2">
-              <a:shade val="50000"/>
-            </a:schemeClr>
+            <a:srgbClr val="FFFFFF"/>
           </a:solidFill>
-          <a:ln w="50800" cap="flat">
+          <a:ln w="3175" cap="rnd" cmpd="sng" algn="ctr">
             <a:solidFill>
-              <a:schemeClr val="bg2"/>
+              <a:srgbClr val="C0C0C0"/>
             </a:solidFill>
-            <a:miter lim="800000"/>
+            <a:prstDash val="solid"/>
           </a:ln>
           <a:effectLst>
-            <a:outerShdw blurRad="152000" dist="345000" dir="5400000" sx="-80000" sy="-18000" rotWithShape="0">
+            <a:outerShdw blurRad="63500" dist="38500" dir="7500000" sx="98500" sy="100080" kx="100000" algn="tl" rotWithShape="0">
               <a:srgbClr val="000000">
                 <a:alpha val="25000"/>
               </a:srgbClr>
             </a:outerShdw>
           </a:effectLst>
-          <a:scene3d>
-            <a:camera prst="orthographicFront"/>
-            <a:lightRig rig="contrasting" dir="t">
-              <a:rot lat="0" lon="0" rev="2400000"/>
-            </a:lightRig>
-          </a:scene3d>
-          <a:sp3d contourW="7620">
-            <a:bevelT w="63500" h="63500"/>
-            <a:contourClr>
-              <a:schemeClr val="bg2">
-                <a:shade val="50000"/>
-              </a:schemeClr>
-            </a:contourClr>
-          </a:sp3d>
+        </p:spPr>
+        <p:style>
+          <a:lnRef idx="2">
+            <a:schemeClr val="accent1"/>
+          </a:lnRef>
+          <a:fillRef idx="1">
+            <a:schemeClr val="accent1"/>
+          </a:fillRef>
+          <a:effectRef idx="0">
+            <a:schemeClr val="accent1"/>
+          </a:effectRef>
+          <a:fontRef idx="minor">
+            <a:schemeClr val="lt1"/>
+          </a:fontRef>
+        </p:style>
+        <p:txBody>
+          <a:bodyPr rtlCol="0" anchor="ctr"/>
+          <a:lstStyle/>
+          <a:p>
+            <a:pPr algn="ctr" eaLnBrk="1" latinLnBrk="0" hangingPunct="1"/>
+            <a:endParaRPr kumimoji="0" lang="en-US"/>
+          </a:p>
+        </p:txBody>
+      </p:sp>
+      <p:sp>
+        <p:nvSpPr>
+          <p:cNvPr id="12" name="Right Triangle 11"/>
+          <p:cNvSpPr/>
+          <p:nvPr/>
+        </p:nvSpPr>
+        <p:spPr>
+          <a:xfrm rot="420000" flipV="1">
+            <a:off x="8004134" y="5359769"/>
+            <a:ext cx="155448" cy="155448"/>
+          </a:xfrm>
+          <a:prstGeom prst="rtTriangle">
+            <a:avLst/>
+          </a:prstGeom>
+          <a:solidFill>
+            <a:srgbClr val="FFFFFF"/>
+          </a:solidFill>
+          <a:ln w="12700" cap="flat" cmpd="sng" algn="ctr">
+            <a:solidFill>
+              <a:srgbClr val="FFFFFF"/>
+            </a:solidFill>
+            <a:prstDash val="solid"/>
+            <a:bevel/>
+          </a:ln>
+          <a:effectLst>
+            <a:outerShdw blurRad="19685" dist="6350" dir="12900000" algn="tl" rotWithShape="0">
+              <a:srgbClr val="000000">
+                <a:alpha val="47000"/>
+              </a:srgbClr>
+            </a:outerShdw>
+          </a:effectLst>
+        </p:spPr>
+        <p:style>
+          <a:lnRef idx="2">
+            <a:schemeClr val="accent1"/>
+          </a:lnRef>
+          <a:fillRef idx="1">
+            <a:schemeClr val="accent1"/>
+          </a:fillRef>
+          <a:effectRef idx="0">
+            <a:schemeClr val="accent1"/>
+          </a:effectRef>
+          <a:fontRef idx="minor">
+            <a:schemeClr val="lt1"/>
+          </a:fontRef>
+        </p:style>
+        <p:txBody>
+          <a:bodyPr rtlCol="0" anchor="ctr"/>
+          <a:lstStyle/>
+          <a:p>
+            <a:pPr algn="ctr" eaLnBrk="1" latinLnBrk="0" hangingPunct="1"/>
+            <a:endParaRPr kumimoji="0" lang="en-US"/>
+          </a:p>
+        </p:txBody>
+      </p:sp>
+      <p:sp>
+        <p:nvSpPr>
+          <p:cNvPr id="2" name="Title 1"/>
+          <p:cNvSpPr>
+            <a:spLocks noGrp="1"/>
+          </p:cNvSpPr>
+          <p:nvPr>
+            <p:ph type="title"/>
+          </p:nvPr>
+        </p:nvSpPr>
+        <p:spPr>
+          <a:xfrm>
+            <a:off x="609600" y="1176996"/>
+            <a:ext cx="2212848" cy="1582621"/>
+          </a:xfrm>
+        </p:spPr>
+        <p:txBody>
+          <a:bodyPr vert="horz" lIns="45720" tIns="45720" rIns="45720" bIns="45720" anchor="b"/>
+          <a:lstStyle>
+            <a:lvl1pPr algn="l">
+              <a:buNone/>
+              <a:defRPr sz="2000" b="1">
+                <a:solidFill>
+                  <a:schemeClr val="tx2"/>
+                </a:solidFill>
+              </a:defRPr>
+            </a:lvl1pPr>
+          </a:lstStyle>
+          <a:p>
+            <a:r>
+              <a:rPr kumimoji="0" lang="zh-TW" altLang="en-US" smtClean="0"/>
+              <a:t>按一下以編輯母片標題樣式</a:t>
+            </a:r>
+            <a:endParaRPr kumimoji="0" lang="en-US"/>
+          </a:p>
+        </p:txBody>
+      </p:sp>
+      <p:sp>
+        <p:nvSpPr>
+          <p:cNvPr id="4" name="Text Placeholder 3"/>
+          <p:cNvSpPr>
+            <a:spLocks noGrp="1"/>
+          </p:cNvSpPr>
+          <p:nvPr>
+            <p:ph type="body" sz="half" idx="2"/>
+          </p:nvPr>
+        </p:nvSpPr>
+        <p:spPr>
+          <a:xfrm>
+            <a:off x="609600" y="2828785"/>
+            <a:ext cx="2209800" cy="2179320"/>
+          </a:xfrm>
+        </p:spPr>
+        <p:txBody>
+          <a:bodyPr lIns="64008" rIns="45720" bIns="45720" anchor="t"/>
+          <a:lstStyle>
+            <a:lvl1pPr marL="0" indent="0" algn="l">
+              <a:spcBef>
+                <a:spcPts val="250"/>
+              </a:spcBef>
+              <a:buFontTx/>
+              <a:buNone/>
+              <a:defRPr sz="1300"/>
+            </a:lvl1pPr>
+            <a:lvl2pPr>
+              <a:defRPr sz="1200"/>
+            </a:lvl2pPr>
+            <a:lvl3pPr>
+              <a:defRPr sz="1000"/>
+            </a:lvl3pPr>
+            <a:lvl4pPr>
+              <a:defRPr sz="900"/>
+            </a:lvl4pPr>
+            <a:lvl5pPr>
+              <a:defRPr sz="900"/>
+            </a:lvl5pPr>
+          </a:lstStyle>
+          <a:p>
+            <a:pPr lvl="0" eaLnBrk="1" latinLnBrk="0" hangingPunct="1"/>
+            <a:r>
+              <a:rPr kumimoji="0" lang="zh-TW" altLang="en-US" smtClean="0"/>
+              <a:t>按一下以編輯母片文字樣式</a:t>
+            </a:r>
+          </a:p>
+        </p:txBody>
+      </p:sp>
+      <p:sp>
+        <p:nvSpPr>
+          <p:cNvPr id="5" name="Date Placeholder 4"/>
+          <p:cNvSpPr>
+            <a:spLocks noGrp="1"/>
+          </p:cNvSpPr>
+          <p:nvPr>
+            <p:ph type="dt" sz="half" idx="10"/>
+          </p:nvPr>
+        </p:nvSpPr>
+        <p:spPr/>
+        <p:txBody>
+          <a:bodyPr/>
+          <a:lstStyle/>
+          <a:p>
+            <a:fld id="{A39967A7-959C-4F21-B277-C7EBE6FEAFF4}" type="datetimeFigureOut">
+              <a:rPr lang="zh-TW" altLang="en-US" smtClean="0"/>
+              <a:t>2014/3/10</a:t>
+            </a:fld>
+            <a:endParaRPr lang="zh-TW" altLang="en-US"/>
+          </a:p>
+        </p:txBody>
+      </p:sp>
+      <p:sp>
+        <p:nvSpPr>
+          <p:cNvPr id="6" name="Footer Placeholder 5"/>
+          <p:cNvSpPr>
+            <a:spLocks noGrp="1"/>
+          </p:cNvSpPr>
+          <p:nvPr>
+            <p:ph type="ftr" sz="quarter" idx="11"/>
+          </p:nvPr>
+        </p:nvSpPr>
+        <p:spPr/>
+        <p:txBody>
+          <a:bodyPr/>
+          <a:lstStyle/>
+          <a:p>
+            <a:endParaRPr lang="zh-TW" altLang="en-US"/>
+          </a:p>
+        </p:txBody>
+      </p:sp>
+      <p:sp>
+        <p:nvSpPr>
+          <p:cNvPr id="7" name="Slide Number Placeholder 6"/>
+          <p:cNvSpPr>
+            <a:spLocks noGrp="1"/>
+          </p:cNvSpPr>
+          <p:nvPr>
+            <p:ph type="sldNum" sz="quarter" idx="12"/>
+          </p:nvPr>
+        </p:nvSpPr>
+        <p:spPr>
+          <a:xfrm>
+            <a:off x="8077200" y="6356350"/>
+            <a:ext cx="609600" cy="365125"/>
+          </a:xfrm>
+        </p:spPr>
+        <p:txBody>
+          <a:bodyPr/>
+          <a:lstStyle/>
+          <a:p>
+            <a:fld id="{72EA00BC-7E5A-4F30-80DB-463FCCE0CAA8}" type="slidenum">
+              <a:rPr lang="zh-TW" altLang="en-US" smtClean="0"/>
+              <a:t>‹#›</a:t>
+            </a:fld>
+            <a:endParaRPr lang="zh-TW" altLang="en-US"/>
+          </a:p>
+        </p:txBody>
+      </p:sp>
+      <p:sp>
+        <p:nvSpPr>
+          <p:cNvPr id="3" name="Picture Placeholder 2"/>
+          <p:cNvSpPr>
+            <a:spLocks noGrp="1"/>
+          </p:cNvSpPr>
+          <p:nvPr>
+            <p:ph type="pic" idx="1"/>
+          </p:nvPr>
+        </p:nvSpPr>
+        <p:spPr>
+          <a:xfrm rot="420000">
+            <a:off x="3485793" y="1199517"/>
+            <a:ext cx="4617720" cy="3931920"/>
+          </a:xfrm>
+          <a:prstGeom prst="rect">
+            <a:avLst/>
+          </a:prstGeom>
+          <a:solidFill>
+            <a:schemeClr val="bg2"/>
+          </a:solidFill>
+          <a:ln w="3000" cap="rnd">
+            <a:solidFill>
+              <a:srgbClr val="C0C0C0"/>
+            </a:solidFill>
+            <a:round/>
+          </a:ln>
+          <a:effectLst/>
         </p:spPr>
         <p:txBody>
           <a:bodyPr/>
@@ -2743,125 +2563,257 @@
       </p:sp>
       <p:sp>
         <p:nvSpPr>
-          <p:cNvPr id="4" name="文字版面配置區 3"/>
-          <p:cNvSpPr>
-            <a:spLocks noGrp="1"/>
-          </p:cNvSpPr>
-          <p:nvPr>
-            <p:ph type="body" sz="half" idx="2"/>
-          </p:nvPr>
-        </p:nvSpPr>
-        <p:spPr>
-          <a:xfrm>
-            <a:off x="5556734" y="2998765"/>
-            <a:ext cx="3053866" cy="2663482"/>
+          <p:cNvPr id="10" name="Freeform 9"/>
+          <p:cNvSpPr>
+            <a:spLocks/>
+          </p:cNvSpPr>
+          <p:nvPr/>
+        </p:nvSpPr>
+        <p:spPr bwMode="auto">
+          <a:xfrm flipV="1">
+            <a:off x="-9525" y="5816600"/>
+            <a:ext cx="9163050" cy="1041400"/>
           </a:xfrm>
+          <a:custGeom>
+            <a:avLst>
+              <a:gd name="A1" fmla="val 0"/>
+              <a:gd name="A2" fmla="val 0"/>
+              <a:gd name="A3" fmla="val 0"/>
+              <a:gd name="A4" fmla="val 0"/>
+              <a:gd name="A5" fmla="val 0"/>
+              <a:gd name="A6" fmla="val 0"/>
+              <a:gd name="A7" fmla="val 0"/>
+              <a:gd name="A8" fmla="val 0"/>
+            </a:avLst>
+            <a:gdLst/>
+            <a:ahLst/>
+            <a:cxnLst>
+              <a:cxn ang="0">
+                <a:pos x="6" y="2"/>
+              </a:cxn>
+              <a:cxn ang="0">
+                <a:pos x="2542" y="0"/>
+              </a:cxn>
+              <a:cxn ang="0">
+                <a:pos x="4374" y="367"/>
+              </a:cxn>
+              <a:cxn ang="0">
+                <a:pos x="5766" y="55"/>
+              </a:cxn>
+              <a:cxn ang="0">
+                <a:pos x="5772" y="213"/>
+              </a:cxn>
+              <a:cxn ang="0">
+                <a:pos x="4302" y="439"/>
+              </a:cxn>
+              <a:cxn ang="0">
+                <a:pos x="1488" y="201"/>
+              </a:cxn>
+              <a:cxn ang="0">
+                <a:pos x="0" y="656"/>
+              </a:cxn>
+              <a:cxn ang="0">
+                <a:pos x="6" y="2"/>
+              </a:cxn>
+            </a:cxnLst>
+            <a:rect l="0" t="0" r="0" b="0"/>
+            <a:pathLst>
+              <a:path w="5772" h="656">
+                <a:moveTo>
+                  <a:pt x="6" y="2"/>
+                </a:moveTo>
+                <a:lnTo>
+                  <a:pt x="2542" y="0"/>
+                </a:lnTo>
+                <a:cubicBezTo>
+                  <a:pt x="2746" y="101"/>
+                  <a:pt x="3828" y="367"/>
+                  <a:pt x="4374" y="367"/>
+                </a:cubicBezTo>
+                <a:cubicBezTo>
+                  <a:pt x="4920" y="367"/>
+                  <a:pt x="5526" y="152"/>
+                  <a:pt x="5766" y="55"/>
+                </a:cubicBezTo>
+                <a:lnTo>
+                  <a:pt x="5772" y="213"/>
+                </a:lnTo>
+                <a:cubicBezTo>
+                  <a:pt x="5670" y="257"/>
+                  <a:pt x="5016" y="441"/>
+                  <a:pt x="4302" y="439"/>
+                </a:cubicBezTo>
+                <a:cubicBezTo>
+                  <a:pt x="3588" y="437"/>
+                  <a:pt x="2205" y="165"/>
+                  <a:pt x="1488" y="201"/>
+                </a:cubicBezTo>
+                <a:cubicBezTo>
+                  <a:pt x="750" y="209"/>
+                  <a:pt x="270" y="482"/>
+                  <a:pt x="0" y="656"/>
+                </a:cubicBezTo>
+                <a:lnTo>
+                  <a:pt x="6" y="2"/>
+                </a:lnTo>
+                <a:close/>
+              </a:path>
+            </a:pathLst>
+          </a:custGeom>
+          <a:gradFill>
+            <a:gsLst>
+              <a:gs pos="0">
+                <a:schemeClr val="accent2">
+                  <a:shade val="50000"/>
+                  <a:alpha val="45000"/>
+                  <a:satMod val="120000"/>
+                </a:schemeClr>
+              </a:gs>
+              <a:gs pos="100000">
+                <a:schemeClr val="accent3">
+                  <a:shade val="80000"/>
+                  <a:alpha val="55000"/>
+                  <a:satMod val="155000"/>
+                </a:schemeClr>
+              </a:gs>
+            </a:gsLst>
+            <a:lin ang="5400000" scaled="1"/>
+          </a:gradFill>
+          <a:ln w="9525" cap="flat" cmpd="sng" algn="ctr">
+            <a:noFill/>
+            <a:prstDash val="solid"/>
+            <a:round/>
+            <a:headEnd type="none" w="med" len="med"/>
+            <a:tailEnd type="none" w="med" len="med"/>
+          </a:ln>
+          <a:effectLst/>
         </p:spPr>
         <p:txBody>
-          <a:bodyPr lIns="45720" rIns="45720"/>
-          <a:lstStyle>
-            <a:lvl1pPr marL="0" indent="0">
-              <a:buFontTx/>
-              <a:buNone/>
-              <a:defRPr sz="1200"/>
-            </a:lvl1pPr>
-            <a:lvl2pPr>
-              <a:buFontTx/>
-              <a:buNone/>
-              <a:defRPr sz="1200"/>
-            </a:lvl2pPr>
-            <a:lvl3pPr>
-              <a:buFontTx/>
-              <a:buNone/>
-              <a:defRPr sz="1000"/>
-            </a:lvl3pPr>
-            <a:lvl4pPr>
-              <a:buFontTx/>
-              <a:buNone/>
-              <a:defRPr sz="900"/>
-            </a:lvl4pPr>
-            <a:lvl5pPr>
-              <a:buFontTx/>
-              <a:buNone/>
-              <a:defRPr sz="900"/>
-            </a:lvl5pPr>
-          </a:lstStyle>
-          <a:p>
-            <a:pPr lvl="0" eaLnBrk="1" latinLnBrk="0" hangingPunct="1"/>
-            <a:r>
-              <a:rPr kumimoji="0" lang="zh-TW" altLang="en-US" smtClean="0"/>
-              <a:t>按一下以編輯母片文字樣式</a:t>
-            </a:r>
-          </a:p>
-        </p:txBody>
-      </p:sp>
-      <p:sp>
-        <p:nvSpPr>
-          <p:cNvPr id="5" name="日期版面配置區 4"/>
-          <p:cNvSpPr>
-            <a:spLocks noGrp="1"/>
-          </p:cNvSpPr>
-          <p:nvPr>
-            <p:ph type="dt" sz="half" idx="10"/>
-          </p:nvPr>
-        </p:nvSpPr>
-        <p:spPr>
-          <a:xfrm>
-            <a:off x="457200" y="6422064"/>
-            <a:ext cx="2133600" cy="365125"/>
+          <a:bodyPr vert="horz" wrap="square" lIns="91440" tIns="45720" rIns="91440" bIns="45720" anchor="t" compatLnSpc="1"/>
+          <a:lstStyle/>
+          <a:p>
+            <a:pPr marL="0" algn="l" rtl="0" eaLnBrk="1" latinLnBrk="0" hangingPunct="1"/>
+            <a:endParaRPr kumimoji="0" lang="en-US">
+              <a:solidFill>
+                <a:schemeClr val="tx1"/>
+              </a:solidFill>
+              <a:latin typeface="+mn-lt"/>
+              <a:ea typeface="+mn-ea"/>
+              <a:cs typeface="+mn-cs"/>
+            </a:endParaRPr>
+          </a:p>
+        </p:txBody>
+      </p:sp>
+      <p:sp>
+        <p:nvSpPr>
+          <p:cNvPr id="11" name="Freeform 10"/>
+          <p:cNvSpPr>
+            <a:spLocks/>
+          </p:cNvSpPr>
+          <p:nvPr/>
+        </p:nvSpPr>
+        <p:spPr bwMode="auto">
+          <a:xfrm flipV="1">
+            <a:off x="4381500" y="6219825"/>
+            <a:ext cx="4762500" cy="638175"/>
           </a:xfrm>
+          <a:custGeom>
+            <a:avLst>
+              <a:gd name="A1" fmla="val 0"/>
+              <a:gd name="A2" fmla="val 0"/>
+              <a:gd name="A3" fmla="val 0"/>
+              <a:gd name="A4" fmla="val 0"/>
+              <a:gd name="A5" fmla="val 0"/>
+              <a:gd name="A6" fmla="val 0"/>
+              <a:gd name="A7" fmla="val 0"/>
+              <a:gd name="A8" fmla="val 0"/>
+            </a:avLst>
+            <a:gdLst/>
+            <a:ahLst/>
+            <a:cxnLst>
+              <a:cxn ang="0">
+                <a:pos x="0" y="0"/>
+              </a:cxn>
+              <a:cxn ang="0">
+                <a:pos x="1668" y="564"/>
+              </a:cxn>
+              <a:cxn ang="0">
+                <a:pos x="3000" y="186"/>
+              </a:cxn>
+              <a:cxn ang="0">
+                <a:pos x="3000" y="6"/>
+              </a:cxn>
+              <a:cxn ang="0">
+                <a:pos x="0" y="0"/>
+              </a:cxn>
+            </a:cxnLst>
+            <a:rect l="0" t="0" r="0" b="0"/>
+            <a:pathLst>
+              <a:path w="3000" h="595">
+                <a:moveTo>
+                  <a:pt x="0" y="0"/>
+                </a:moveTo>
+                <a:cubicBezTo>
+                  <a:pt x="174" y="102"/>
+                  <a:pt x="1168" y="533"/>
+                  <a:pt x="1668" y="564"/>
+                </a:cubicBezTo>
+                <a:cubicBezTo>
+                  <a:pt x="2168" y="595"/>
+                  <a:pt x="2778" y="279"/>
+                  <a:pt x="3000" y="186"/>
+                </a:cubicBezTo>
+                <a:lnTo>
+                  <a:pt x="3000" y="6"/>
+                </a:lnTo>
+                <a:lnTo>
+                  <a:pt x="0" y="0"/>
+                </a:lnTo>
+                <a:close/>
+              </a:path>
+            </a:pathLst>
+          </a:custGeom>
+          <a:gradFill>
+            <a:gsLst>
+              <a:gs pos="0">
+                <a:schemeClr val="accent3">
+                  <a:shade val="50000"/>
+                  <a:alpha val="30000"/>
+                  <a:satMod val="130000"/>
+                </a:schemeClr>
+              </a:gs>
+              <a:gs pos="80000">
+                <a:schemeClr val="accent2">
+                  <a:shade val="75000"/>
+                  <a:alpha val="45000"/>
+                  <a:satMod val="140000"/>
+                </a:schemeClr>
+              </a:gs>
+            </a:gsLst>
+            <a:lin ang="5400000" scaled="1"/>
+          </a:gradFill>
+          <a:ln w="9525" cap="flat" cmpd="sng" algn="ctr">
+            <a:noFill/>
+            <a:prstDash val="solid"/>
+            <a:round/>
+            <a:headEnd type="none" w="med" len="med"/>
+            <a:tailEnd type="none" w="med" len="med"/>
+          </a:ln>
+          <a:effectLst/>
         </p:spPr>
         <p:txBody>
-          <a:bodyPr/>
-          <a:lstStyle/>
-          <a:p>
-            <a:fld id="{A39967A7-959C-4F21-B277-C7EBE6FEAFF4}" type="datetimeFigureOut">
-              <a:rPr lang="zh-TW" altLang="en-US" smtClean="0"/>
-              <a:t>2014/3/10</a:t>
-            </a:fld>
-            <a:endParaRPr lang="zh-TW" altLang="en-US"/>
-          </a:p>
-        </p:txBody>
-      </p:sp>
-      <p:sp>
-        <p:nvSpPr>
-          <p:cNvPr id="6" name="頁尾版面配置區 5"/>
-          <p:cNvSpPr>
-            <a:spLocks noGrp="1"/>
-          </p:cNvSpPr>
-          <p:nvPr>
-            <p:ph type="ftr" sz="quarter" idx="11"/>
-          </p:nvPr>
-        </p:nvSpPr>
-        <p:spPr/>
-        <p:txBody>
-          <a:bodyPr/>
-          <a:lstStyle/>
-          <a:p>
-            <a:endParaRPr lang="zh-TW" altLang="en-US"/>
-          </a:p>
-        </p:txBody>
-      </p:sp>
-      <p:sp>
-        <p:nvSpPr>
-          <p:cNvPr id="7" name="投影片編號版面配置區 6"/>
-          <p:cNvSpPr>
-            <a:spLocks noGrp="1"/>
-          </p:cNvSpPr>
-          <p:nvPr>
-            <p:ph type="sldNum" sz="quarter" idx="12"/>
-          </p:nvPr>
-        </p:nvSpPr>
-        <p:spPr/>
-        <p:txBody>
-          <a:bodyPr/>
-          <a:lstStyle/>
-          <a:p>
-            <a:fld id="{72EA00BC-7E5A-4F30-80DB-463FCCE0CAA8}" type="slidenum">
-              <a:rPr lang="zh-TW" altLang="en-US" smtClean="0"/>
-              <a:t>‹#›</a:t>
-            </a:fld>
-            <a:endParaRPr lang="zh-TW" altLang="en-US"/>
+          <a:bodyPr vert="horz" wrap="square" lIns="91440" tIns="45720" rIns="91440" bIns="45720" anchor="t" compatLnSpc="1"/>
+          <a:lstStyle/>
+          <a:p>
+            <a:pPr marL="0" algn="l" rtl="0" eaLnBrk="1" latinLnBrk="0" hangingPunct="1"/>
+            <a:endParaRPr kumimoji="0" lang="en-US">
+              <a:solidFill>
+                <a:schemeClr val="tx1"/>
+              </a:solidFill>
+              <a:latin typeface="+mn-lt"/>
+              <a:ea typeface="+mn-ea"/>
+              <a:cs typeface="+mn-cs"/>
+            </a:endParaRPr>
           </a:p>
         </p:txBody>
       </p:sp>
@@ -2877,8 +2829,8 @@
 <p:sldMaster xmlns:a="http://schemas.openxmlformats.org/drawingml/2006/main" xmlns:r="http://schemas.openxmlformats.org/officeDocument/2006/relationships" xmlns:p="http://schemas.openxmlformats.org/presentationml/2006/main">
   <p:cSld>
     <p:bg>
-      <p:bgRef idx="1001">
-        <a:schemeClr val="bg2"/>
+      <p:bgRef idx="1003">
+        <a:schemeClr val="bg1"/>
       </p:bgRef>
     </p:bg>
     <p:spTree>
@@ -2897,7 +2849,7 @@
       </p:grpSpPr>
       <p:sp>
         <p:nvSpPr>
-          <p:cNvPr id="12" name="手繪多邊形 11"/>
+          <p:cNvPr id="7" name="Freeform 6"/>
           <p:cNvSpPr>
             <a:spLocks/>
           </p:cNvSpPr>
@@ -2905,8 +2857,8 @@
         </p:nvSpPr>
         <p:spPr bwMode="auto">
           <a:xfrm>
-            <a:off x="0" y="4752126"/>
-            <a:ext cx="9144000" cy="2112962"/>
+            <a:off x="-9525" y="-7144"/>
+            <a:ext cx="9163050" cy="1041400"/>
           </a:xfrm>
           <a:custGeom>
             <a:avLst>
@@ -2923,52 +2875,96 @@
             <a:ahLst/>
             <a:cxnLst>
               <a:cxn ang="0">
-                <a:pos x="0" y="1066"/>
+                <a:pos x="6" y="2"/>
               </a:cxn>
               <a:cxn ang="0">
-                <a:pos x="0" y="1331"/>
+                <a:pos x="2542" y="0"/>
               </a:cxn>
               <a:cxn ang="0">
-                <a:pos x="5760" y="1331"/>
+                <a:pos x="4374" y="367"/>
               </a:cxn>
               <a:cxn ang="0">
-                <a:pos x="5760" y="0"/>
+                <a:pos x="5766" y="55"/>
               </a:cxn>
               <a:cxn ang="0">
-                <a:pos x="0" y="1066"/>
+                <a:pos x="5772" y="213"/>
+              </a:cxn>
+              <a:cxn ang="0">
+                <a:pos x="4302" y="439"/>
+              </a:cxn>
+              <a:cxn ang="0">
+                <a:pos x="1488" y="201"/>
+              </a:cxn>
+              <a:cxn ang="0">
+                <a:pos x="0" y="656"/>
+              </a:cxn>
+              <a:cxn ang="0">
+                <a:pos x="6" y="2"/>
               </a:cxn>
             </a:cxnLst>
             <a:rect l="0" t="0" r="0" b="0"/>
             <a:pathLst>
-              <a:path w="5760" h="1331">
+              <a:path w="5772" h="656">
                 <a:moveTo>
-                  <a:pt x="0" y="1066"/>
+                  <a:pt x="6" y="2"/>
                 </a:moveTo>
                 <a:lnTo>
-                  <a:pt x="0" y="1331"/>
-                </a:lnTo>
-                <a:lnTo>
-                  <a:pt x="5760" y="1331"/>
-                </a:lnTo>
-                <a:lnTo>
-                  <a:pt x="5760" y="0"/>
+                  <a:pt x="2542" y="0"/>
                 </a:lnTo>
                 <a:cubicBezTo>
-                  <a:pt x="3220" y="1206"/>
-                  <a:pt x="2250" y="1146"/>
-                  <a:pt x="0" y="1066"/>
+                  <a:pt x="2746" y="101"/>
+                  <a:pt x="3828" y="367"/>
+                  <a:pt x="4374" y="367"/>
                 </a:cubicBezTo>
+                <a:cubicBezTo>
+                  <a:pt x="4920" y="367"/>
+                  <a:pt x="5526" y="152"/>
+                  <a:pt x="5766" y="55"/>
+                </a:cubicBezTo>
+                <a:lnTo>
+                  <a:pt x="5772" y="213"/>
+                </a:lnTo>
+                <a:cubicBezTo>
+                  <a:pt x="5670" y="257"/>
+                  <a:pt x="5016" y="441"/>
+                  <a:pt x="4302" y="439"/>
+                </a:cubicBezTo>
+                <a:cubicBezTo>
+                  <a:pt x="3588" y="437"/>
+                  <a:pt x="2205" y="165"/>
+                  <a:pt x="1488" y="201"/>
+                </a:cubicBezTo>
+                <a:cubicBezTo>
+                  <a:pt x="750" y="209"/>
+                  <a:pt x="270" y="482"/>
+                  <a:pt x="0" y="656"/>
+                </a:cubicBezTo>
+                <a:lnTo>
+                  <a:pt x="6" y="2"/>
+                </a:lnTo>
                 <a:close/>
               </a:path>
             </a:pathLst>
           </a:custGeom>
-          <a:solidFill>
-            <a:schemeClr val="bg1">
-              <a:tint val="80000"/>
-              <a:satMod val="200000"/>
-              <a:alpha val="45000"/>
-            </a:schemeClr>
-          </a:solidFill>
+          <a:gradFill>
+            <a:gsLst>
+              <a:gs pos="0">
+                <a:schemeClr val="accent2">
+                  <a:shade val="50000"/>
+                  <a:alpha val="45000"/>
+                  <a:satMod val="120000"/>
+                </a:schemeClr>
+              </a:gs>
+              <a:gs pos="100000">
+                <a:schemeClr val="accent3">
+                  <a:shade val="80000"/>
+                  <a:alpha val="55000"/>
+                  <a:satMod val="155000"/>
+                </a:schemeClr>
+              </a:gs>
+            </a:gsLst>
+            <a:lin ang="5400000" scaled="1"/>
+          </a:gradFill>
           <a:ln w="9525" cap="flat" cmpd="sng" algn="ctr">
             <a:noFill/>
             <a:prstDash val="solid"/>
@@ -2976,25 +2972,27 @@
             <a:headEnd type="none" w="med" len="med"/>
             <a:tailEnd type="none" w="med" len="med"/>
           </a:ln>
-          <a:effectLst>
-            <a:outerShdw blurRad="50800" dist="44450" dir="16200000" algn="ctr" rotWithShape="0">
-              <a:prstClr val="black">
-                <a:alpha val="35000"/>
-              </a:prstClr>
-            </a:outerShdw>
-          </a:effectLst>
+          <a:effectLst/>
         </p:spPr>
         <p:txBody>
           <a:bodyPr vert="horz" wrap="square" lIns="91440" tIns="45720" rIns="91440" bIns="45720" anchor="t" compatLnSpc="1"/>
           <a:lstStyle/>
           <a:p>
-            <a:endParaRPr kumimoji="0" lang="en-US"/>
-          </a:p>
-        </p:txBody>
-      </p:sp>
-      <p:sp>
-        <p:nvSpPr>
-          <p:cNvPr id="16" name="手繪多邊形 15"/>
+            <a:pPr marL="0" algn="l" rtl="0" eaLnBrk="1" latinLnBrk="0" hangingPunct="1"/>
+            <a:endParaRPr kumimoji="0" lang="en-US">
+              <a:solidFill>
+                <a:schemeClr val="tx1"/>
+              </a:solidFill>
+              <a:latin typeface="+mn-lt"/>
+              <a:ea typeface="+mn-ea"/>
+              <a:cs typeface="+mn-cs"/>
+            </a:endParaRPr>
+          </a:p>
+        </p:txBody>
+      </p:sp>
+      <p:sp>
+        <p:nvSpPr>
+          <p:cNvPr id="8" name="Freeform 7"/>
           <p:cNvSpPr>
             <a:spLocks/>
           </p:cNvSpPr>
@@ -3002,72 +3000,84 @@
         </p:nvSpPr>
         <p:spPr bwMode="auto">
           <a:xfrm>
-            <a:off x="7315200" y="0"/>
-            <a:ext cx="1828800" cy="6858000"/>
+            <a:off x="4381500" y="-7144"/>
+            <a:ext cx="4762500" cy="638175"/>
           </a:xfrm>
           <a:custGeom>
-            <a:avLst/>
-            <a:gdLst>
-              <a:gd name="connsiteX0" fmla="*/ 1914 w 1914"/>
-              <a:gd name="connsiteY0" fmla="*/ 9 h 4329"/>
-              <a:gd name="connsiteX1" fmla="*/ 1914 w 1914"/>
-              <a:gd name="connsiteY1" fmla="*/ 4329 h 4329"/>
-              <a:gd name="connsiteX2" fmla="*/ 204 w 1914"/>
-              <a:gd name="connsiteY2" fmla="*/ 4327 h 4329"/>
-              <a:gd name="connsiteX3" fmla="*/ 0 w 1914"/>
-              <a:gd name="connsiteY3" fmla="*/ 0 h 4329"/>
-              <a:gd name="connsiteX4" fmla="*/ 1914 w 1914"/>
-              <a:gd name="connsiteY4" fmla="*/ 9 h 4329"/>
-            </a:gdLst>
+            <a:avLst>
+              <a:gd name="A1" fmla="val 0"/>
+              <a:gd name="A2" fmla="val 0"/>
+              <a:gd name="A3" fmla="val 0"/>
+              <a:gd name="A4" fmla="val 0"/>
+              <a:gd name="A5" fmla="val 0"/>
+              <a:gd name="A6" fmla="val 0"/>
+              <a:gd name="A7" fmla="val 0"/>
+              <a:gd name="A8" fmla="val 0"/>
+            </a:avLst>
+            <a:gdLst/>
             <a:ahLst/>
             <a:cxnLst>
               <a:cxn ang="0">
-                <a:pos x="connsiteX0" y="connsiteY0"/>
+                <a:pos x="0" y="0"/>
               </a:cxn>
               <a:cxn ang="0">
-                <a:pos x="connsiteX1" y="connsiteY1"/>
+                <a:pos x="1668" y="564"/>
               </a:cxn>
               <a:cxn ang="0">
-                <a:pos x="connsiteX2" y="connsiteY2"/>
+                <a:pos x="3000" y="186"/>
               </a:cxn>
               <a:cxn ang="0">
-                <a:pos x="connsiteX3" y="connsiteY3"/>
+                <a:pos x="3000" y="6"/>
               </a:cxn>
               <a:cxn ang="0">
-                <a:pos x="connsiteX4" y="connsiteY4"/>
+                <a:pos x="0" y="0"/>
               </a:cxn>
             </a:cxnLst>
-            <a:rect l="l" t="t" r="r" b="b"/>
+            <a:rect l="0" t="0" r="0" b="0"/>
             <a:pathLst>
-              <a:path w="1914" h="4329">
+              <a:path w="3000" h="595">
                 <a:moveTo>
-                  <a:pt x="1914" y="9"/>
+                  <a:pt x="0" y="0"/>
                 </a:moveTo>
+                <a:cubicBezTo>
+                  <a:pt x="174" y="102"/>
+                  <a:pt x="1168" y="533"/>
+                  <a:pt x="1668" y="564"/>
+                </a:cubicBezTo>
+                <a:cubicBezTo>
+                  <a:pt x="2168" y="595"/>
+                  <a:pt x="2778" y="279"/>
+                  <a:pt x="3000" y="186"/>
+                </a:cubicBezTo>
                 <a:lnTo>
-                  <a:pt x="1914" y="4329"/>
+                  <a:pt x="3000" y="6"/>
                 </a:lnTo>
                 <a:lnTo>
-                  <a:pt x="204" y="4327"/>
-                </a:lnTo>
-                <a:cubicBezTo>
-                  <a:pt x="1288" y="3574"/>
-                  <a:pt x="2082" y="1734"/>
                   <a:pt x="0" y="0"/>
-                </a:cubicBezTo>
-                <a:lnTo>
-                  <a:pt x="1914" y="9"/>
                 </a:lnTo>
                 <a:close/>
               </a:path>
             </a:pathLst>
           </a:custGeom>
-          <a:solidFill>
-            <a:schemeClr val="bg1">
-              <a:tint val="90000"/>
-              <a:satMod val="350000"/>
-              <a:alpha val="40000"/>
-            </a:schemeClr>
-          </a:solidFill>
+          <a:gradFill>
+            <a:gsLst>
+              <a:gs pos="0">
+                <a:schemeClr val="accent3">
+                  <a:shade val="50000"/>
+                  <a:alpha val="30000"/>
+                  <a:satMod val="130000"/>
+                </a:schemeClr>
+              </a:gs>
+              <a:gs pos="80000">
+                <a:schemeClr val="accent2">
+                  <a:shade val="75000"/>
+                  <a:alpha val="45000"/>
+                  <a:satMod val="140000"/>
+                </a:schemeClr>
+              </a:gs>
+            </a:gsLst>
+            <a:lin ang="5400000" scaled="1"/>
+          </a:gradFill>
           <a:ln w="9525" cap="flat" cmpd="sng" algn="ctr">
             <a:noFill/>
             <a:prstDash val="solid"/>
@@ -3075,25 +3085,27 @@
             <a:headEnd type="none" w="med" len="med"/>
             <a:tailEnd type="none" w="med" len="med"/>
           </a:ln>
-          <a:effectLst>
-            <a:outerShdw blurRad="50800" dist="50800" dir="10800000" algn="ctr" rotWithShape="0">
-              <a:prstClr val="black">
-                <a:alpha val="45000"/>
-              </a:prstClr>
-            </a:outerShdw>
-          </a:effectLst>
+          <a:effectLst/>
         </p:spPr>
         <p:txBody>
           <a:bodyPr vert="horz" wrap="square" lIns="91440" tIns="45720" rIns="91440" bIns="45720" anchor="t" compatLnSpc="1"/>
           <a:lstStyle/>
           <a:p>
-            <a:endParaRPr kumimoji="0" lang="en-US"/>
-          </a:p>
-        </p:txBody>
-      </p:sp>
-      <p:sp>
-        <p:nvSpPr>
-          <p:cNvPr id="9" name="標題版面配置區 8"/>
+            <a:pPr marL="0" algn="l" rtl="0" eaLnBrk="1" latinLnBrk="0" hangingPunct="1"/>
+            <a:endParaRPr kumimoji="0" lang="en-US">
+              <a:solidFill>
+                <a:schemeClr val="tx1"/>
+              </a:solidFill>
+              <a:latin typeface="+mn-lt"/>
+              <a:ea typeface="+mn-ea"/>
+              <a:cs typeface="+mn-cs"/>
+            </a:endParaRPr>
+          </a:p>
+        </p:txBody>
+      </p:sp>
+      <p:sp>
+        <p:nvSpPr>
+          <p:cNvPr id="9" name="Title Placeholder 8"/>
           <p:cNvSpPr>
             <a:spLocks noGrp="1"/>
           </p:cNvSpPr>
@@ -3103,15 +3115,15 @@
         </p:nvSpPr>
         <p:spPr>
           <a:xfrm>
-            <a:off x="457200" y="274638"/>
-            <a:ext cx="7467600" cy="1143000"/>
+            <a:off x="457200" y="704088"/>
+            <a:ext cx="8229600" cy="1143000"/>
           </a:xfrm>
           <a:prstGeom prst="rect">
             <a:avLst/>
           </a:prstGeom>
         </p:spPr>
         <p:txBody>
-          <a:bodyPr vert="horz" lIns="45720" rIns="45720" anchor="ctr">
+          <a:bodyPr vert="horz" lIns="0" rIns="0" bIns="0" anchor="b">
             <a:normAutofit/>
           </a:bodyPr>
           <a:lstStyle/>
@@ -3126,7 +3138,7 @@
       </p:sp>
       <p:sp>
         <p:nvSpPr>
-          <p:cNvPr id="30" name="文字版面配置區 29"/>
+          <p:cNvPr id="30" name="Text Placeholder 29"/>
           <p:cNvSpPr>
             <a:spLocks noGrp="1"/>
           </p:cNvSpPr>
@@ -3136,8 +3148,8 @@
         </p:nvSpPr>
         <p:spPr>
           <a:xfrm>
-            <a:off x="457200" y="1600200"/>
-            <a:ext cx="7467600" cy="4525963"/>
+            <a:off x="457200" y="1935480"/>
+            <a:ext cx="8229600" cy="4389120"/>
           </a:xfrm>
           <a:prstGeom prst="rect">
             <a:avLst/>
@@ -3188,7 +3200,7 @@
       </p:sp>
       <p:sp>
         <p:nvSpPr>
-          <p:cNvPr id="10" name="日期版面配置區 9"/>
+          <p:cNvPr id="10" name="Date Placeholder 9"/>
           <p:cNvSpPr>
             <a:spLocks noGrp="1"/>
           </p:cNvSpPr>
@@ -3198,7 +3210,7 @@
         </p:nvSpPr>
         <p:spPr>
           <a:xfrm>
-            <a:off x="457200" y="6422064"/>
+            <a:off x="457200" y="6356350"/>
             <a:ext cx="2133600" cy="365125"/>
           </a:xfrm>
           <a:prstGeom prst="rect">
@@ -3206,13 +3218,13 @@
           </a:prstGeom>
         </p:spPr>
         <p:txBody>
-          <a:bodyPr vert="horz" bIns="0" anchor="b"/>
+          <a:bodyPr vert="horz" lIns="0" tIns="0" rIns="0" bIns="0" anchor="b"/>
           <a:lstStyle>
             <a:lvl1pPr algn="l" eaLnBrk="1" latinLnBrk="0" hangingPunct="1">
-              <a:defRPr kumimoji="0" sz="1000">
+              <a:defRPr kumimoji="0" sz="1200">
                 <a:solidFill>
                   <a:schemeClr val="tx2">
-                    <a:shade val="50000"/>
+                    <a:shade val="90000"/>
                   </a:schemeClr>
                 </a:solidFill>
               </a:defRPr>
@@ -3229,7 +3241,7 @@
       </p:sp>
       <p:sp>
         <p:nvSpPr>
-          <p:cNvPr id="22" name="頁尾版面配置區 21"/>
+          <p:cNvPr id="22" name="Footer Placeholder 21"/>
           <p:cNvSpPr>
             <a:spLocks noGrp="1"/>
           </p:cNvSpPr>
@@ -3239,21 +3251,21 @@
         </p:nvSpPr>
         <p:spPr>
           <a:xfrm>
-            <a:off x="3124200" y="6422064"/>
-            <a:ext cx="2895600" cy="365125"/>
+            <a:off x="2667000" y="6356350"/>
+            <a:ext cx="3352800" cy="365125"/>
           </a:xfrm>
           <a:prstGeom prst="rect">
             <a:avLst/>
           </a:prstGeom>
         </p:spPr>
         <p:txBody>
-          <a:bodyPr vert="horz" lIns="0" rIns="0" bIns="0" anchor="b"/>
+          <a:bodyPr vert="horz" lIns="0" tIns="0" rIns="0" bIns="0" anchor="b"/>
           <a:lstStyle>
-            <a:lvl1pPr algn="ctr" eaLnBrk="1" latinLnBrk="0" hangingPunct="1">
-              <a:defRPr kumimoji="0" sz="1000">
+            <a:lvl1pPr algn="l" eaLnBrk="1" latinLnBrk="0" hangingPunct="1">
+              <a:defRPr kumimoji="0" sz="1200">
                 <a:solidFill>
                   <a:schemeClr val="tx2">
-                    <a:shade val="50000"/>
+                    <a:shade val="90000"/>
                   </a:schemeClr>
                 </a:solidFill>
               </a:defRPr>
@@ -3266,7 +3278,7 @@
       </p:sp>
       <p:sp>
         <p:nvSpPr>
-          <p:cNvPr id="18" name="投影片編號版面配置區 17"/>
+          <p:cNvPr id="18" name="Slide Number Placeholder 17"/>
           <p:cNvSpPr>
             <a:spLocks noGrp="1"/>
           </p:cNvSpPr>
@@ -3276,7 +3288,7 @@
         </p:nvSpPr>
         <p:spPr>
           <a:xfrm>
-            <a:off x="8153400" y="6422064"/>
+            <a:off x="7924800" y="6356350"/>
             <a:ext cx="762000" cy="365125"/>
           </a:xfrm>
           <a:prstGeom prst="rect">
@@ -3287,10 +3299,10 @@
           <a:bodyPr vert="horz" lIns="0" tIns="0" rIns="0" bIns="0" anchor="b"/>
           <a:lstStyle>
             <a:lvl1pPr algn="r" eaLnBrk="1" latinLnBrk="0" hangingPunct="1">
-              <a:defRPr kumimoji="0" sz="1000">
+              <a:defRPr kumimoji="0" sz="1200">
                 <a:solidFill>
                   <a:schemeClr val="tx2">
-                    <a:shade val="50000"/>
+                    <a:shade val="90000"/>
                   </a:schemeClr>
                 </a:solidFill>
               </a:defRPr>
@@ -3305,21 +3317,235 @@
           </a:p>
         </p:txBody>
       </p:sp>
+      <p:grpSp>
+        <p:nvGrpSpPr>
+          <p:cNvPr id="2" name="Group 1"/>
+          <p:cNvGrpSpPr/>
+          <p:nvPr/>
+        </p:nvGrpSpPr>
+        <p:grpSpPr>
+          <a:xfrm>
+            <a:off x="-19017" y="202408"/>
+            <a:ext cx="9180548" cy="649224"/>
+            <a:chOff x="-19045" y="216550"/>
+            <a:chExt cx="9180548" cy="649224"/>
+          </a:xfrm>
+        </p:grpSpPr>
+        <p:sp>
+          <p:nvSpPr>
+            <p:cNvPr id="12" name="Freeform 11"/>
+            <p:cNvSpPr>
+              <a:spLocks/>
+            </p:cNvSpPr>
+            <p:nvPr/>
+          </p:nvSpPr>
+          <p:spPr bwMode="auto">
+            <a:xfrm rot="21435692">
+              <a:off x="-19045" y="216550"/>
+              <a:ext cx="9163050" cy="649224"/>
+            </a:xfrm>
+            <a:custGeom>
+              <a:avLst>
+                <a:gd name="A1" fmla="val 0"/>
+                <a:gd name="A2" fmla="val 0"/>
+                <a:gd name="A3" fmla="val 0"/>
+                <a:gd name="A4" fmla="val 0"/>
+                <a:gd name="A5" fmla="val 0"/>
+                <a:gd name="A6" fmla="val 0"/>
+                <a:gd name="A7" fmla="val 0"/>
+                <a:gd name="A8" fmla="val 0"/>
+              </a:avLst>
+              <a:gdLst/>
+              <a:ahLst/>
+              <a:cxnLst>
+                <a:cxn ang="0">
+                  <a:pos x="0" y="966"/>
+                </a:cxn>
+                <a:cxn ang="0">
+                  <a:pos x="1608" y="282"/>
+                </a:cxn>
+                <a:cxn ang="0">
+                  <a:pos x="4110" y="1008"/>
+                </a:cxn>
+                <a:cxn ang="0">
+                  <a:pos x="5772" y="0"/>
+                </a:cxn>
+              </a:cxnLst>
+              <a:rect l="0" t="0" r="0" b="0"/>
+              <a:pathLst>
+                <a:path w="5772" h="1055">
+                  <a:moveTo>
+                    <a:pt x="0" y="966"/>
+                  </a:moveTo>
+                  <a:cubicBezTo>
+                    <a:pt x="282" y="738"/>
+                    <a:pt x="923" y="275"/>
+                    <a:pt x="1608" y="282"/>
+                  </a:cubicBezTo>
+                  <a:cubicBezTo>
+                    <a:pt x="2293" y="289"/>
+                    <a:pt x="3416" y="1055"/>
+                    <a:pt x="4110" y="1008"/>
+                  </a:cubicBezTo>
+                  <a:cubicBezTo>
+                    <a:pt x="4804" y="961"/>
+                    <a:pt x="5426" y="210"/>
+                    <a:pt x="5772" y="0"/>
+                  </a:cubicBezTo>
+                </a:path>
+              </a:pathLst>
+            </a:custGeom>
+            <a:noFill/>
+            <a:ln w="10795" cap="flat" cmpd="sng" algn="ctr">
+              <a:gradFill>
+                <a:gsLst>
+                  <a:gs pos="74000">
+                    <a:schemeClr val="accent3">
+                      <a:shade val="75000"/>
+                    </a:schemeClr>
+                  </a:gs>
+                  <a:gs pos="86000">
+                    <a:schemeClr val="tx1">
+                      <a:alpha val="29000"/>
+                    </a:schemeClr>
+                  </a:gs>
+                  <a:gs pos="16000">
+                    <a:schemeClr val="accent2">
+                      <a:shade val="75000"/>
+                      <a:alpha val="56000"/>
+                    </a:schemeClr>
+                  </a:gs>
+                </a:gsLst>
+                <a:lin ang="5400000" scaled="1"/>
+              </a:gradFill>
+              <a:prstDash val="solid"/>
+              <a:round/>
+              <a:headEnd type="none" w="med" len="med"/>
+              <a:tailEnd type="none" w="med" len="med"/>
+            </a:ln>
+            <a:effectLst/>
+          </p:spPr>
+          <p:txBody>
+            <a:bodyPr vert="horz" wrap="square" lIns="91440" tIns="45720" rIns="91440" bIns="45720" anchor="t" compatLnSpc="1"/>
+            <a:lstStyle/>
+            <a:p>
+              <a:endParaRPr kumimoji="0" lang="en-US"/>
+            </a:p>
+          </p:txBody>
+        </p:sp>
+        <p:sp>
+          <p:nvSpPr>
+            <p:cNvPr id="13" name="Freeform 12"/>
+            <p:cNvSpPr>
+              <a:spLocks/>
+            </p:cNvSpPr>
+            <p:nvPr/>
+          </p:nvSpPr>
+          <p:spPr bwMode="auto">
+            <a:xfrm rot="21435692">
+              <a:off x="-14309" y="290003"/>
+              <a:ext cx="9175812" cy="530352"/>
+            </a:xfrm>
+            <a:custGeom>
+              <a:avLst>
+                <a:gd name="A1" fmla="val 0"/>
+                <a:gd name="A2" fmla="val 0"/>
+                <a:gd name="A3" fmla="val 0"/>
+                <a:gd name="A4" fmla="val 0"/>
+                <a:gd name="A5" fmla="val 0"/>
+                <a:gd name="A6" fmla="val 0"/>
+                <a:gd name="A7" fmla="val 0"/>
+                <a:gd name="A8" fmla="val 0"/>
+              </a:avLst>
+              <a:gdLst/>
+              <a:ahLst/>
+              <a:cxnLst>
+                <a:cxn ang="0">
+                  <a:pos x="0" y="732"/>
+                </a:cxn>
+                <a:cxn ang="0">
+                  <a:pos x="1638" y="228"/>
+                </a:cxn>
+                <a:cxn ang="0">
+                  <a:pos x="4122" y="816"/>
+                </a:cxn>
+                <a:cxn ang="0">
+                  <a:pos x="5766" y="0"/>
+                </a:cxn>
+              </a:cxnLst>
+              <a:rect l="0" t="0" r="0" b="0"/>
+              <a:pathLst>
+                <a:path w="5766" h="854">
+                  <a:moveTo>
+                    <a:pt x="0" y="732"/>
+                  </a:moveTo>
+                  <a:cubicBezTo>
+                    <a:pt x="273" y="647"/>
+                    <a:pt x="951" y="214"/>
+                    <a:pt x="1638" y="228"/>
+                  </a:cubicBezTo>
+                  <a:cubicBezTo>
+                    <a:pt x="2325" y="242"/>
+                    <a:pt x="3434" y="854"/>
+                    <a:pt x="4122" y="816"/>
+                  </a:cubicBezTo>
+                  <a:cubicBezTo>
+                    <a:pt x="4810" y="778"/>
+                    <a:pt x="5424" y="170"/>
+                    <a:pt x="5766" y="0"/>
+                  </a:cubicBezTo>
+                </a:path>
+              </a:pathLst>
+            </a:custGeom>
+            <a:noFill/>
+            <a:ln w="9525" cap="flat" cmpd="sng" algn="ctr">
+              <a:gradFill>
+                <a:gsLst>
+                  <a:gs pos="74000">
+                    <a:schemeClr val="accent4"/>
+                  </a:gs>
+                  <a:gs pos="44000">
+                    <a:schemeClr val="accent1"/>
+                  </a:gs>
+                  <a:gs pos="33000">
+                    <a:schemeClr val="accent2">
+                      <a:alpha val="56000"/>
+                    </a:schemeClr>
+                  </a:gs>
+                </a:gsLst>
+                <a:lin ang="5400000" scaled="1"/>
+              </a:gradFill>
+              <a:prstDash val="solid"/>
+              <a:round/>
+              <a:headEnd type="none" w="med" len="med"/>
+              <a:tailEnd type="none" w="med" len="med"/>
+            </a:ln>
+            <a:effectLst/>
+          </p:spPr>
+          <p:txBody>
+            <a:bodyPr vert="horz" wrap="square" lIns="91440" tIns="45720" rIns="91440" bIns="45720" anchor="t" compatLnSpc="1"/>
+            <a:lstStyle/>
+            <a:p>
+              <a:endParaRPr kumimoji="0" lang="en-US"/>
+            </a:p>
+          </p:txBody>
+        </p:sp>
+      </p:grpSp>
     </p:spTree>
   </p:cSld>
-  <p:clrMap bg1="dk1" tx1="lt1" bg2="dk2" tx2="lt2" accent1="accent1" accent2="accent2" accent3="accent3" accent4="accent4" accent5="accent5" accent6="accent6" hlink="hlink" folHlink="folHlink"/>
+  <p:clrMap bg1="lt1" tx1="dk1" bg2="lt2" tx2="dk2" accent1="accent1" accent2="accent2" accent3="accent3" accent4="accent4" accent5="accent5" accent6="accent6" hlink="hlink" folHlink="folHlink"/>
   <p:sldLayoutIdLst>
-    <p:sldLayoutId id="2147483661" r:id="rId1"/>
-    <p:sldLayoutId id="2147483662" r:id="rId2"/>
-    <p:sldLayoutId id="2147483663" r:id="rId3"/>
-    <p:sldLayoutId id="2147483664" r:id="rId4"/>
-    <p:sldLayoutId id="2147483665" r:id="rId5"/>
-    <p:sldLayoutId id="2147483666" r:id="rId6"/>
-    <p:sldLayoutId id="2147483667" r:id="rId7"/>
-    <p:sldLayoutId id="2147483668" r:id="rId8"/>
-    <p:sldLayoutId id="2147483669" r:id="rId9"/>
-    <p:sldLayoutId id="2147483670" r:id="rId10"/>
-    <p:sldLayoutId id="2147483671" r:id="rId11"/>
+    <p:sldLayoutId id="2147483673" r:id="rId1"/>
+    <p:sldLayoutId id="2147483674" r:id="rId2"/>
+    <p:sldLayoutId id="2147483675" r:id="rId3"/>
+    <p:sldLayoutId id="2147483676" r:id="rId4"/>
+    <p:sldLayoutId id="2147483677" r:id="rId5"/>
+    <p:sldLayoutId id="2147483678" r:id="rId6"/>
+    <p:sldLayoutId id="2147483679" r:id="rId7"/>
+    <p:sldLayoutId id="2147483680" r:id="rId8"/>
+    <p:sldLayoutId id="2147483681" r:id="rId9"/>
+    <p:sldLayoutId id="2147483682" r:id="rId10"/>
+    <p:sldLayoutId id="2147483683" r:id="rId11"/>
   </p:sldLayoutIdLst>
   <p:txStyles>
     <p:titleStyle>
@@ -3328,10 +3554,14 @@
           <a:spcPct val="0"/>
         </a:spcBef>
         <a:buNone/>
-        <a:defRPr kumimoji="0" sz="4600" kern="1200">
+        <a:defRPr kumimoji="0" sz="5000" b="0" kern="1200">
+          <a:ln>
+            <a:noFill/>
+          </a:ln>
           <a:solidFill>
-            <a:schemeClr val="tx1"/>
+            <a:schemeClr val="tx2"/>
           </a:solidFill>
+          <a:effectLst/>
           <a:latin typeface="+mj-lt"/>
           <a:ea typeface="+mj-ea"/>
           <a:cs typeface="+mj-cs"/>
@@ -3339,33 +3569,14 @@
       </a:lvl1pPr>
     </p:titleStyle>
     <p:bodyStyle>
-      <a:lvl1pPr marL="420624" indent="-384048" algn="l" rtl="0" eaLnBrk="1" latinLnBrk="0" hangingPunct="1">
+      <a:lvl1pPr marL="274320" indent="-274320" algn="l" rtl="0" eaLnBrk="1" latinLnBrk="0" hangingPunct="1">
         <a:spcBef>
           <a:spcPct val="20000"/>
         </a:spcBef>
         <a:buClr>
-          <a:schemeClr val="accent1"/>
+          <a:schemeClr val="accent3"/>
         </a:buClr>
-        <a:buSzPct val="80000"/>
-        <a:buFont typeface="Wingdings 2"/>
-        <a:buChar char=""/>
-        <a:defRPr kumimoji="0" sz="3000" kern="1200">
-          <a:solidFill>
-            <a:schemeClr val="tx1"/>
-          </a:solidFill>
-          <a:latin typeface="+mn-lt"/>
-          <a:ea typeface="+mn-ea"/>
-          <a:cs typeface="+mn-cs"/>
-        </a:defRPr>
-      </a:lvl1pPr>
-      <a:lvl2pPr marL="722376" indent="-274320" algn="l" rtl="0" eaLnBrk="1" latinLnBrk="0" hangingPunct="1">
-        <a:spcBef>
-          <a:spcPct val="20000"/>
-        </a:spcBef>
-        <a:buClr>
-          <a:schemeClr val="accent1"/>
-        </a:buClr>
-        <a:buSzPct val="90000"/>
+        <a:buSzPct val="95000"/>
         <a:buFont typeface="Wingdings 2"/>
         <a:buChar char=""/>
         <a:defRPr kumimoji="0" sz="2600" kern="1200">
@@ -3376,17 +3587,17 @@
           <a:ea typeface="+mn-ea"/>
           <a:cs typeface="+mn-cs"/>
         </a:defRPr>
-      </a:lvl2pPr>
-      <a:lvl3pPr marL="1005840" indent="-256032" algn="l" rtl="0" eaLnBrk="1" latinLnBrk="0" hangingPunct="1">
+      </a:lvl1pPr>
+      <a:lvl2pPr marL="640080" indent="-246888" algn="l" rtl="0" eaLnBrk="1" latinLnBrk="0" hangingPunct="1">
         <a:spcBef>
           <a:spcPct val="20000"/>
         </a:spcBef>
         <a:buClr>
-          <a:schemeClr val="accent2"/>
+          <a:schemeClr val="accent1"/>
         </a:buClr>
         <a:buSzPct val="85000"/>
-        <a:buFont typeface="Arial"/>
-        <a:buChar char="○"/>
+        <a:buFont typeface="Wingdings 2"/>
+        <a:buChar char=""/>
         <a:defRPr kumimoji="0" sz="2400" kern="1200">
           <a:solidFill>
             <a:schemeClr val="tx1"/>
@@ -3395,15 +3606,34 @@
           <a:ea typeface="+mn-ea"/>
           <a:cs typeface="+mn-cs"/>
         </a:defRPr>
+      </a:lvl2pPr>
+      <a:lvl3pPr marL="914400" indent="-246888" algn="l" rtl="0" eaLnBrk="1" latinLnBrk="0" hangingPunct="1">
+        <a:spcBef>
+          <a:spcPct val="20000"/>
+        </a:spcBef>
+        <a:buClr>
+          <a:schemeClr val="accent2"/>
+        </a:buClr>
+        <a:buSzPct val="70000"/>
+        <a:buFont typeface="Wingdings 2"/>
+        <a:buChar char=""/>
+        <a:defRPr kumimoji="0" sz="2100" kern="1200">
+          <a:solidFill>
+            <a:schemeClr val="tx1"/>
+          </a:solidFill>
+          <a:latin typeface="+mn-lt"/>
+          <a:ea typeface="+mn-ea"/>
+          <a:cs typeface="+mn-cs"/>
+        </a:defRPr>
       </a:lvl3pPr>
-      <a:lvl4pPr marL="1280160" indent="-237744" algn="l" rtl="0" eaLnBrk="1" latinLnBrk="0" hangingPunct="1">
+      <a:lvl4pPr marL="1188720" indent="-210312" algn="l" rtl="0" eaLnBrk="1" latinLnBrk="0" hangingPunct="1">
         <a:spcBef>
           <a:spcPct val="20000"/>
         </a:spcBef>
         <a:buClr>
           <a:schemeClr val="accent3"/>
         </a:buClr>
-        <a:buSzPct val="90000"/>
+        <a:buSzPct val="65000"/>
         <a:buFont typeface="Wingdings 2"/>
         <a:buChar char=""/>
         <a:defRPr kumimoji="0" sz="2000" kern="1200">
@@ -3415,16 +3645,16 @@
           <a:cs typeface="+mn-cs"/>
         </a:defRPr>
       </a:lvl4pPr>
-      <a:lvl5pPr marL="1490472" indent="-182880" algn="l" rtl="0" eaLnBrk="1" latinLnBrk="0" hangingPunct="1">
+      <a:lvl5pPr marL="1463040" indent="-210312" algn="l" rtl="0" eaLnBrk="1" latinLnBrk="0" hangingPunct="1">
         <a:spcBef>
           <a:spcPct val="20000"/>
         </a:spcBef>
         <a:buClr>
           <a:schemeClr val="accent4"/>
         </a:buClr>
-        <a:buSzPct val="100000"/>
-        <a:buFont typeface="Arial"/>
-        <a:buChar char="-"/>
+        <a:buSzPct val="65000"/>
+        <a:buFont typeface="Wingdings 2"/>
+        <a:buChar char=""/>
         <a:defRPr kumimoji="0" sz="2000" kern="1200">
           <a:solidFill>
             <a:schemeClr val="tx1"/>
@@ -3434,16 +3664,17 @@
           <a:cs typeface="+mn-cs"/>
         </a:defRPr>
       </a:lvl5pPr>
-      <a:lvl6pPr marL="1700784" indent="-182880" algn="l" rtl="0" eaLnBrk="1" latinLnBrk="0" hangingPunct="1">
+      <a:lvl6pPr marL="1737360" indent="-210312" algn="l" rtl="0" eaLnBrk="1" latinLnBrk="0" hangingPunct="1">
         <a:spcBef>
           <a:spcPct val="20000"/>
         </a:spcBef>
         <a:buClr>
           <a:schemeClr val="accent5"/>
         </a:buClr>
-        <a:buFont typeface="Arial"/>
-        <a:buChar char="-"/>
-        <a:defRPr kumimoji="0" sz="2000" kern="1200" baseline="0">
+        <a:buSzPct val="80000"/>
+        <a:buFont typeface="Wingdings 2"/>
+        <a:buChar char=""/>
+        <a:defRPr kumimoji="0" sz="1800" kern="1200">
           <a:solidFill>
             <a:schemeClr val="tx1"/>
           </a:solidFill>
@@ -3459,10 +3690,10 @@
         <a:buClr>
           <a:schemeClr val="accent6"/>
         </a:buClr>
-        <a:buSzPct val="100000"/>
-        <a:buFont typeface="Arial"/>
-        <a:buChar char="•"/>
-        <a:defRPr kumimoji="0" sz="1800" kern="1200" baseline="0">
+        <a:buSzPct val="80000"/>
+        <a:buFont typeface="Wingdings 2"/>
+        <a:buChar char=""/>
+        <a:defRPr kumimoji="0" sz="1600" kern="1200" baseline="0">
           <a:solidFill>
             <a:schemeClr val="tx1"/>
           </a:solidFill>
@@ -3471,15 +3702,14 @@
           <a:cs typeface="+mn-cs"/>
         </a:defRPr>
       </a:lvl7pPr>
-      <a:lvl8pPr marL="2139696" indent="-182880" algn="l" rtl="0" eaLnBrk="1" latinLnBrk="0" hangingPunct="1">
+      <a:lvl8pPr marL="2194560" indent="-182880" algn="l" rtl="0" eaLnBrk="1" latinLnBrk="0" hangingPunct="1">
         <a:spcBef>
           <a:spcPct val="20000"/>
         </a:spcBef>
         <a:buClr>
-          <a:schemeClr val="accent6"/>
+          <a:schemeClr val="tx2"/>
         </a:buClr>
-        <a:buFont typeface="Arial"/>
-        <a:buChar char="▪"/>
+        <a:buChar char="•"/>
         <a:defRPr kumimoji="0" sz="1600" kern="1200">
           <a:solidFill>
             <a:schemeClr val="tx1"/>
@@ -3489,16 +3719,16 @@
           <a:cs typeface="+mn-cs"/>
         </a:defRPr>
       </a:lvl8pPr>
-      <a:lvl9pPr marL="2331720" indent="-182880" algn="l" rtl="0" eaLnBrk="1" latinLnBrk="0" hangingPunct="1">
+      <a:lvl9pPr marL="2468880" indent="-182880" algn="l" rtl="0" eaLnBrk="1" latinLnBrk="0" hangingPunct="1">
         <a:spcBef>
           <a:spcPct val="20000"/>
         </a:spcBef>
         <a:buClr>
-          <a:schemeClr val="accent6"/>
+          <a:schemeClr val="tx2"/>
         </a:buClr>
-        <a:buFont typeface="Arial"/>
+        <a:buFontTx/>
         <a:buChar char="•"/>
-        <a:defRPr kumimoji="0" sz="1600" kern="1200">
+        <a:defRPr kumimoji="0" sz="1400" kern="1200" baseline="0">
           <a:solidFill>
             <a:schemeClr val="tx1"/>
           </a:solidFill>
@@ -3657,7 +3887,7 @@
         <p:spPr/>
         <p:txBody>
           <a:bodyPr>
-            <a:normAutofit lnSpcReduction="10000"/>
+            <a:normAutofit fontScale="92500"/>
           </a:bodyPr>
           <a:lstStyle/>
           <a:p>
@@ -3679,34 +3909,40 @@
               </a:spcAft>
             </a:pPr>
             <a:r>
+              <a:rPr lang="en-US" altLang="zh-TW" kern="0" dirty="0" smtClean="0">
+                <a:ea typeface="微軟正黑體" panose="020B0604030504040204" pitchFamily="34" charset="-120"/>
+              </a:rPr>
+              <a:t>B99902066 </a:t>
+            </a:r>
+            <a:r>
+              <a:rPr lang="zh-TW" altLang="en-US" kern="0" dirty="0" smtClean="0">
+                <a:ea typeface="微軟正黑體" panose="020B0604030504040204" pitchFamily="34" charset="-120"/>
+              </a:rPr>
+              <a:t>蔡宗翰</a:t>
+            </a:r>
+            <a:r>
+              <a:rPr lang="en-US" altLang="zh-TW" kern="0" dirty="0">
+                <a:ea typeface="微軟正黑體" panose="020B0604030504040204" pitchFamily="34" charset="-120"/>
+              </a:rPr>
+              <a:t> </a:t>
+            </a:r>
+            <a:r>
+              <a:rPr lang="en-US" altLang="zh-TW" kern="0" dirty="0" smtClean="0">
+                <a:ea typeface="微軟正黑體" panose="020B0604030504040204" pitchFamily="34" charset="-120"/>
+              </a:rPr>
+              <a:t>D98944002 </a:t>
+            </a:r>
+            <a:r>
               <a:rPr lang="zh-TW" altLang="en-US" kern="0" dirty="0">
                 <a:ea typeface="微軟正黑體" panose="020B0604030504040204" pitchFamily="34" charset="-120"/>
               </a:rPr>
-              <a:t>組長</a:t>
-            </a:r>
-            <a:r>
-              <a:rPr lang="en-US" altLang="zh-TW" kern="0" dirty="0">
+              <a:t>林映</a:t>
+            </a:r>
+            <a:r>
+              <a:rPr lang="zh-TW" altLang="en-US" kern="0" dirty="0" smtClean="0">
                 <a:ea typeface="微軟正黑體" panose="020B0604030504040204" pitchFamily="34" charset="-120"/>
               </a:rPr>
-              <a:t>:</a:t>
-            </a:r>
-            <a:r>
-              <a:rPr lang="zh-TW" altLang="en-US" kern="0" dirty="0">
-                <a:ea typeface="微軟正黑體" panose="020B0604030504040204" pitchFamily="34" charset="-120"/>
-              </a:rPr>
-              <a:t>   </a:t>
-            </a:r>
-            <a:r>
-              <a:rPr lang="en-US" altLang="zh-TW" kern="0" dirty="0">
-                <a:ea typeface="微軟正黑體" panose="020B0604030504040204" pitchFamily="34" charset="-120"/>
-              </a:rPr>
-              <a:t>B99902066 </a:t>
-            </a:r>
-            <a:r>
-              <a:rPr lang="zh-TW" altLang="en-US" kern="0" dirty="0">
-                <a:ea typeface="微軟正黑體" panose="020B0604030504040204" pitchFamily="34" charset="-120"/>
-              </a:rPr>
-              <a:t>蔡宗翰</a:t>
+              <a:t>孜</a:t>
             </a:r>
             <a:endParaRPr lang="en-US" altLang="zh-TW" kern="0" dirty="0">
               <a:ea typeface="微軟正黑體" panose="020B0604030504040204" pitchFamily="34" charset="-120"/>
@@ -3725,54 +3961,6 @@
               </a:spcAft>
             </a:pPr>
             <a:r>
-              <a:rPr lang="zh-TW" altLang="en-US" kern="0" dirty="0">
-                <a:ea typeface="微軟正黑體" panose="020B0604030504040204" pitchFamily="34" charset="-120"/>
-              </a:rPr>
-              <a:t>組員</a:t>
-            </a:r>
-            <a:r>
-              <a:rPr lang="en-US" altLang="zh-TW" kern="0" dirty="0">
-                <a:ea typeface="微軟正黑體" panose="020B0604030504040204" pitchFamily="34" charset="-120"/>
-              </a:rPr>
-              <a:t>:</a:t>
-            </a:r>
-            <a:r>
-              <a:rPr lang="zh-TW" altLang="en-US" kern="0" dirty="0">
-                <a:ea typeface="微軟正黑體" panose="020B0604030504040204" pitchFamily="34" charset="-120"/>
-              </a:rPr>
-              <a:t>   </a:t>
-            </a:r>
-            <a:r>
-              <a:rPr lang="en-US" altLang="zh-TW" kern="0" dirty="0">
-                <a:ea typeface="微軟正黑體" panose="020B0604030504040204" pitchFamily="34" charset="-120"/>
-              </a:rPr>
-              <a:t>D</a:t>
-            </a:r>
-            <a:r>
-              <a:rPr lang="en-US" altLang="zh-TW" kern="0" dirty="0" smtClean="0">
-                <a:ea typeface="微軟正黑體" panose="020B0604030504040204" pitchFamily="34" charset="-120"/>
-              </a:rPr>
-              <a:t>98944002 </a:t>
-            </a:r>
-            <a:r>
-              <a:rPr lang="zh-TW" altLang="en-US" kern="0" dirty="0">
-                <a:ea typeface="微軟正黑體" panose="020B0604030504040204" pitchFamily="34" charset="-120"/>
-              </a:rPr>
-              <a:t>林映孜</a:t>
-            </a:r>
-            <a:r>
-              <a:rPr lang="en-US" altLang="zh-TW" kern="0" dirty="0">
-                <a:ea typeface="微軟正黑體" panose="020B0604030504040204" pitchFamily="34" charset="-120"/>
-              </a:rPr>
-              <a:t>,</a:t>
-            </a:r>
-            <a:r>
-              <a:rPr lang="zh-TW" altLang="en-US" kern="0" dirty="0">
-                <a:ea typeface="微軟正黑體" panose="020B0604030504040204" pitchFamily="34" charset="-120"/>
-              </a:rPr>
-              <a:t> </a:t>
-            </a:r>
-            <a:r>
               <a:rPr lang="en-US" altLang="zh-TW" kern="0" dirty="0" smtClean="0">
                 <a:ea typeface="微軟正黑體" panose="020B0604030504040204" pitchFamily="34" charset="-120"/>
               </a:rPr>
@@ -3870,24 +4058,8 @@
               <a:rPr lang="zh-TW" altLang="en-US" kern="0" dirty="0" smtClean="0">
                 <a:ea typeface="微軟正黑體" panose="020B0604030504040204" pitchFamily="34" charset="-120"/>
               </a:rPr>
-              <a:t>吳佳倫</a:t>
-            </a:r>
-            <a:endParaRPr lang="en-US" altLang="zh-TW" kern="0" dirty="0" smtClean="0">
-              <a:ea typeface="微軟正黑體" panose="020B0604030504040204" pitchFamily="34" charset="-120"/>
-            </a:endParaRPr>
-          </a:p>
-          <a:p>
-            <a:pPr>
-              <a:lnSpc>
-                <a:spcPct val="100000"/>
-              </a:lnSpc>
-              <a:spcBef>
-                <a:spcPts val="0"/>
-              </a:spcBef>
-              <a:spcAft>
-                <a:spcPts val="0"/>
-              </a:spcAft>
-            </a:pPr>
+              <a:t>吳佳倫 </a:t>
+            </a:r>
             <a:r>
               <a:rPr lang="en-US" altLang="zh-TW" dirty="0" smtClean="0"/>
               <a:t>B99902100 </a:t>
@@ -3942,38 +4114,29 @@
         <p:spPr/>
         <p:txBody>
           <a:bodyPr>
-            <a:normAutofit fontScale="90000"/>
+            <a:normAutofit/>
           </a:bodyPr>
           <a:lstStyle/>
           <a:p>
             <a:r>
-              <a:rPr lang="zh-TW" altLang="en-US" dirty="0" smtClean="0"/>
-              <a:t/>
-            </a:r>
-            <a:br>
-              <a:rPr lang="zh-TW" altLang="en-US" dirty="0" smtClean="0"/>
-            </a:br>
-            <a:r>
               <a:rPr lang="en-US" altLang="zh-TW" dirty="0" smtClean="0"/>
-              <a:t>1.</a:t>
-            </a:r>
-            <a:br>
+              <a:t>1. A </a:t>
+            </a:r>
+            <a:r>
               <a:rPr lang="en-US" altLang="zh-TW" dirty="0" smtClean="0"/>
-            </a:br>
+              <a:t>country has a capital city</a:t>
+            </a:r>
             <a:r>
               <a:rPr lang="en-US" altLang="zh-TW" dirty="0" smtClean="0"/>
-              <a:t>A country has a capital city.</a:t>
-            </a:r>
-            <a:br>
-              <a:rPr lang="en-US" altLang="zh-TW" dirty="0" smtClean="0"/>
-            </a:br>
+              <a:t>.</a:t>
+            </a:r>
             <a:endParaRPr lang="zh-TW" altLang="en-US" dirty="0"/>
           </a:p>
         </p:txBody>
       </p:sp>
       <p:pic>
         <p:nvPicPr>
-          <p:cNvPr id="4" name="內容版面配置區 3"/>
+          <p:cNvPr id="5" name="內容版面配置區 4"/>
           <p:cNvPicPr>
             <a:picLocks noGrp="1" noChangeAspect="1"/>
           </p:cNvPicPr>
@@ -3981,7 +4144,7 @@
             <p:ph idx="1"/>
           </p:nvPr>
         </p:nvPicPr>
-        <p:blipFill rotWithShape="1">
+        <p:blipFill>
           <a:blip r:embed="rId2">
             <a:extLst>
               <a:ext uri="{28A0092B-C50C-407E-A947-70E740481C1C}">
@@ -3989,13 +4152,14 @@
               </a:ext>
             </a:extLst>
           </a:blip>
-          <a:srcRect b="77232"/>
-          <a:stretch/>
+          <a:stretch>
+            <a:fillRect/>
+          </a:stretch>
         </p:blipFill>
         <p:spPr>
           <a:xfrm>
-            <a:off x="410520" y="2132856"/>
-            <a:ext cx="8322960" cy="2592288"/>
+            <a:off x="1316699" y="2319710"/>
+            <a:ext cx="6510602" cy="2218581"/>
           </a:xfrm>
         </p:spPr>
       </p:pic>
@@ -4029,50 +4193,9 @@
           <a:chExt cx="0" cy="0"/>
         </a:xfrm>
       </p:grpSpPr>
-      <p:sp>
-        <p:nvSpPr>
-          <p:cNvPr id="2" name="標題 1"/>
-          <p:cNvSpPr>
-            <a:spLocks noGrp="1"/>
-          </p:cNvSpPr>
-          <p:nvPr>
-            <p:ph type="title"/>
-          </p:nvPr>
-        </p:nvSpPr>
-        <p:spPr/>
-        <p:txBody>
-          <a:bodyPr>
-            <a:normAutofit fontScale="90000"/>
-          </a:bodyPr>
-          <a:lstStyle/>
-          <a:p>
-            <a:r>
-              <a:rPr lang="en-US" altLang="zh-TW" dirty="0" smtClean="0"/>
-              <a:t>2. </a:t>
-            </a:r>
-            <a:r>
-              <a:rPr lang="en-US" altLang="zh-TW" dirty="0" smtClean="0"/>
-              <a:t>A </a:t>
-            </a:r>
-            <a:r>
-              <a:rPr lang="en-US" altLang="zh-TW" dirty="0" smtClean="0"/>
-              <a:t>dining </a:t>
-            </a:r>
-            <a:r>
-              <a:rPr lang="en-US" altLang="zh-TW" dirty="0"/>
-              <a:t>philosopher is using a </a:t>
-            </a:r>
-            <a:r>
-              <a:rPr lang="en-US" altLang="zh-TW" dirty="0" smtClean="0"/>
-              <a:t>fork.</a:t>
-            </a:r>
-            <a:endParaRPr lang="en-US" altLang="zh-TW" dirty="0"/>
-          </a:p>
-        </p:txBody>
-      </p:sp>
       <p:pic>
         <p:nvPicPr>
-          <p:cNvPr id="4" name="內容版面配置區 3"/>
+          <p:cNvPr id="6" name="內容版面配置區 5"/>
           <p:cNvPicPr>
             <a:picLocks noGrp="1" noChangeAspect="1"/>
           </p:cNvPicPr>
@@ -4088,32 +4211,80 @@
               </a:ext>
             </a:extLst>
           </a:blip>
-          <a:srcRect t="24943" b="51124"/>
+          <a:srcRect b="55105"/>
           <a:stretch/>
         </p:blipFill>
         <p:spPr>
           <a:xfrm>
-            <a:off x="503227" y="2096852"/>
-            <a:ext cx="8137546" cy="2664296"/>
+            <a:off x="1601717" y="2166746"/>
+            <a:ext cx="5940567" cy="2524508"/>
           </a:xfrm>
         </p:spPr>
       </p:pic>
       <p:sp>
         <p:nvSpPr>
+          <p:cNvPr id="2" name="標題 1"/>
+          <p:cNvSpPr>
+            <a:spLocks noGrp="1"/>
+          </p:cNvSpPr>
+          <p:nvPr>
+            <p:ph type="title"/>
+          </p:nvPr>
+        </p:nvSpPr>
+        <p:spPr/>
+        <p:txBody>
+          <a:bodyPr>
+            <a:normAutofit fontScale="90000"/>
+          </a:bodyPr>
+          <a:lstStyle/>
+          <a:p>
+            <a:r>
+              <a:rPr lang="en-US" altLang="zh-TW" dirty="0" smtClean="0"/>
+              <a:t>2. </a:t>
+            </a:r>
+            <a:r>
+              <a:rPr lang="en-US" altLang="zh-TW" dirty="0" smtClean="0"/>
+              <a:t/>
+            </a:r>
+            <a:br>
+              <a:rPr lang="en-US" altLang="zh-TW" dirty="0" smtClean="0"/>
+            </a:br>
+            <a:r>
+              <a:rPr lang="en-US" altLang="zh-TW" dirty="0" smtClean="0"/>
+              <a:t>A </a:t>
+            </a:r>
+            <a:r>
+              <a:rPr lang="en-US" altLang="zh-TW" dirty="0" smtClean="0"/>
+              <a:t>dining </a:t>
+            </a:r>
+            <a:r>
+              <a:rPr lang="en-US" altLang="zh-TW" dirty="0"/>
+              <a:t>philosopher is using a </a:t>
+            </a:r>
+            <a:r>
+              <a:rPr lang="en-US" altLang="zh-TW" dirty="0" smtClean="0"/>
+              <a:t>fork.</a:t>
+            </a:r>
+            <a:endParaRPr lang="en-US" altLang="zh-TW" dirty="0"/>
+          </a:p>
+        </p:txBody>
+      </p:sp>
+      <p:sp>
+        <p:nvSpPr>
           <p:cNvPr id="3" name="文字方塊 2"/>
           <p:cNvSpPr txBox="1"/>
           <p:nvPr/>
         </p:nvSpPr>
         <p:spPr>
           <a:xfrm>
-            <a:off x="4355976" y="3017390"/>
-            <a:ext cx="2088232" cy="369332"/>
+            <a:off x="4572000" y="3356992"/>
+            <a:ext cx="1044116" cy="369332"/>
           </a:xfrm>
           <a:prstGeom prst="rect">
             <a:avLst/>
           </a:prstGeom>
           <a:solidFill>
-            <a:schemeClr val="tx1"/>
+            <a:schemeClr val="bg1"/>
           </a:solidFill>
         </p:spPr>
         <p:txBody>
@@ -4123,18 +4294,10 @@
           <a:lstStyle/>
           <a:p>
             <a:r>
-              <a:rPr lang="en-US" altLang="zh-TW" dirty="0" smtClean="0">
-                <a:solidFill>
-                  <a:schemeClr val="bg1"/>
-                </a:solidFill>
-              </a:rPr>
+              <a:rPr lang="en-US" altLang="zh-TW" dirty="0" smtClean="0"/>
               <a:t>&lt;&lt;use&gt;&gt;</a:t>
             </a:r>
-            <a:endParaRPr lang="zh-TW" altLang="en-US" dirty="0">
-              <a:solidFill>
-                <a:schemeClr val="bg1"/>
-              </a:solidFill>
-            </a:endParaRPr>
+            <a:endParaRPr lang="zh-TW" altLang="en-US" dirty="0"/>
           </a:p>
         </p:txBody>
       </p:sp>
@@ -4181,21 +4344,17 @@
         <p:spPr/>
         <p:txBody>
           <a:bodyPr>
-            <a:normAutofit fontScale="90000"/>
+            <a:normAutofit/>
           </a:bodyPr>
           <a:lstStyle/>
           <a:p>
             <a:r>
               <a:rPr lang="en-US" altLang="zh-TW" dirty="0" smtClean="0"/>
-              <a:t>3.A </a:t>
-            </a:r>
-            <a:r>
-              <a:rPr lang="en-US" altLang="zh-TW" dirty="0"/>
-              <a:t>file is an ordinary file or a directory file</a:t>
+              <a:t>3</a:t>
             </a:r>
             <a:r>
               <a:rPr lang="en-US" altLang="zh-TW" dirty="0" smtClean="0"/>
-              <a:t>. V1</a:t>
+              <a:t>. </a:t>
             </a:r>
             <a:endParaRPr lang="en-US" altLang="zh-TW" dirty="0"/>
           </a:p>
@@ -4203,15 +4362,15 @@
       </p:sp>
       <p:pic>
         <p:nvPicPr>
-          <p:cNvPr id="4" name="內容版面配置區 3"/>
+          <p:cNvPr id="8" name="內容版面配置區 7"/>
           <p:cNvPicPr>
             <a:picLocks noGrp="1" noChangeAspect="1"/>
           </p:cNvPicPr>
           <p:nvPr>
-            <p:ph idx="1"/>
+            <p:ph sz="half" idx="2"/>
           </p:nvPr>
         </p:nvPicPr>
-        <p:blipFill rotWithShape="1">
+        <p:blipFill>
           <a:blip r:embed="rId2">
             <a:extLst>
               <a:ext uri="{28A0092B-C50C-407E-A947-70E740481C1C}">
@@ -4219,16 +4378,42 @@
               </a:ext>
             </a:extLst>
           </a:blip>
-          <a:srcRect l="7515" t="50120"/>
-          <a:stretch/>
+          <a:stretch>
+            <a:fillRect/>
+          </a:stretch>
         </p:blipFill>
         <p:spPr>
           <a:xfrm>
-            <a:off x="1367644" y="1700808"/>
-            <a:ext cx="6408712" cy="4728370"/>
+            <a:off x="4860032" y="1196752"/>
+            <a:ext cx="3976098" cy="4777482"/>
           </a:xfrm>
         </p:spPr>
       </p:pic>
+      <p:sp>
+        <p:nvSpPr>
+          <p:cNvPr id="7" name="內容版面配置區 6"/>
+          <p:cNvSpPr>
+            <a:spLocks noGrp="1"/>
+          </p:cNvSpPr>
+          <p:nvPr>
+            <p:ph sz="half" idx="1"/>
+          </p:nvPr>
+        </p:nvSpPr>
+        <p:spPr/>
+        <p:txBody>
+          <a:bodyPr>
+            <a:normAutofit/>
+          </a:bodyPr>
+          <a:lstStyle/>
+          <a:p>
+            <a:r>
+              <a:rPr lang="en-US" altLang="zh-TW" sz="2800" dirty="0"/>
+              <a:t>A file is an ordinary file or a directory file. V1</a:t>
+            </a:r>
+            <a:endParaRPr lang="zh-TW" altLang="en-US" sz="2800" dirty="0"/>
+          </a:p>
+        </p:txBody>
+      </p:sp>
     </p:spTree>
     <p:extLst>
       <p:ext uri="{BB962C8B-B14F-4D97-AF65-F5344CB8AC3E}">
@@ -4334,9 +4519,9 @@
 </file>
 
 <file path=ppt/theme/theme1.xml><?xml version="1.0" encoding="utf-8"?>
-<a:theme xmlns:a="http://schemas.openxmlformats.org/drawingml/2006/main" name="科技">
+<a:theme xmlns:a="http://schemas.openxmlformats.org/drawingml/2006/main" name="流線">
   <a:themeElements>
-    <a:clrScheme name="科技">
+    <a:clrScheme name="流線">
       <a:dk1>
         <a:sysClr val="windowText" lastClr="000000"/>
       </a:dk1>
@@ -4344,46 +4529,46 @@
         <a:sysClr val="window" lastClr="FFFFFF"/>
       </a:lt1>
       <a:dk2>
-        <a:srgbClr val="3B3B3B"/>
+        <a:srgbClr val="04617B"/>
       </a:dk2>
       <a:lt2>
-        <a:srgbClr val="D4D2D0"/>
+        <a:srgbClr val="DBF5F9"/>
       </a:lt2>
       <a:accent1>
-        <a:srgbClr val="6EA0B0"/>
+        <a:srgbClr val="0F6FC6"/>
       </a:accent1>
       <a:accent2>
-        <a:srgbClr val="CCAF0A"/>
+        <a:srgbClr val="009DD9"/>
       </a:accent2>
       <a:accent3>
-        <a:srgbClr val="8D89A4"/>
+        <a:srgbClr val="0BD0D9"/>
       </a:accent3>
       <a:accent4>
-        <a:srgbClr val="748560"/>
+        <a:srgbClr val="10CF9B"/>
       </a:accent4>
       <a:accent5>
-        <a:srgbClr val="9E9273"/>
+        <a:srgbClr val="7CCA62"/>
       </a:accent5>
       <a:accent6>
-        <a:srgbClr val="7E848D"/>
+        <a:srgbClr val="A5C249"/>
       </a:accent6>
       <a:hlink>
-        <a:srgbClr val="00C8C3"/>
+        <a:srgbClr val="F49100"/>
       </a:hlink>
       <a:folHlink>
-        <a:srgbClr val="A116E0"/>
+        <a:srgbClr val="85DFD0"/>
       </a:folHlink>
     </a:clrScheme>
-    <a:fontScheme name="科技">
+    <a:fontScheme name="流線">
       <a:majorFont>
-        <a:latin typeface="Franklin Gothic Book"/>
+        <a:latin typeface="Calibri"/>
         <a:ea typeface=""/>
         <a:cs typeface=""/>
         <a:font script="Jpan" typeface="ＭＳ Ｐゴシック"/>
-        <a:font script="Hang" typeface="HY견고딕"/>
-        <a:font script="Hans" typeface="宋体"/>
+        <a:font script="Hang" typeface="HY중고딕"/>
+        <a:font script="Hans" typeface="隶书"/>
         <a:font script="Hant" typeface="微軟正黑體"/>
-        <a:font script="Arab" typeface="Tahoma"/>
+        <a:font script="Arab" typeface="Traditional Arabic"/>
         <a:font script="Hebr" typeface="Arial"/>
         <a:font script="Thai" typeface="Cordia New"/>
         <a:font script="Ethi" typeface="Nyala"/>
@@ -4408,23 +4593,22 @@
         <a:font script="Mong" typeface="Mongolian Baiti"/>
         <a:font script="Viet" typeface="Arial"/>
         <a:font script="Uigh" typeface="Microsoft Uighur"/>
-        <a:font script="Geor" typeface="Sylfaen"/>
       </a:majorFont>
       <a:minorFont>
-        <a:latin typeface="Arial"/>
+        <a:latin typeface="Constantia"/>
         <a:ea typeface=""/>
         <a:cs typeface=""/>
-        <a:font script="Jpan" typeface="HGｺﾞｼｯｸM"/>
-        <a:font script="Hang" typeface="HY중고딕"/>
-        <a:font script="Hans" typeface="黑体"/>
-        <a:font script="Hant" typeface="微軟正黑體"/>
-        <a:font script="Arab" typeface="Tahoma"/>
-        <a:font script="Hebr" typeface="Levenim MT"/>
-        <a:font script="Thai" typeface="LilyUPC"/>
+        <a:font script="Jpan" typeface="HGP明朝E"/>
+        <a:font script="Hang" typeface="HY신명조"/>
+        <a:font script="Hans" typeface="宋体"/>
+        <a:font script="Hant" typeface="新細明體"/>
+        <a:font script="Arab" typeface="Majalla UI"/>
+        <a:font script="Hebr" typeface="David"/>
+        <a:font script="Thai" typeface="Browallia New"/>
         <a:font script="Ethi" typeface="Nyala"/>
         <a:font script="Beng" typeface="Vrinda"/>
         <a:font script="Gujr" typeface="Shruti"/>
-        <a:font script="Khmr" typeface="DaunPenh"/>
+        <a:font script="Khmr" typeface="MoolBoran"/>
         <a:font script="Knda" typeface="Tunga"/>
         <a:font script="Guru" typeface="Raavi"/>
         <a:font script="Cans" typeface="Euphemia"/>
@@ -4441,12 +4625,11 @@
         <a:font script="Laoo" typeface="DokChampa"/>
         <a:font script="Sinh" typeface="Iskoola Pota"/>
         <a:font script="Mong" typeface="Mongolian Baiti"/>
-        <a:font script="Viet" typeface="Arial"/>
+        <a:font script="Viet" typeface="Times New Roman"/>
         <a:font script="Uigh" typeface="Microsoft Uighur"/>
-        <a:font script="Geor" typeface="Sylfaen"/>
       </a:minorFont>
     </a:fontScheme>
-    <a:fmtScheme name="科技">
+    <a:fmtScheme name="流線">
       <a:fillStyleLst>
         <a:solidFill>
           <a:schemeClr val="phClr"/>
@@ -4455,99 +4638,77 @@
           <a:gsLst>
             <a:gs pos="0">
               <a:schemeClr val="phClr">
-                <a:tint val="1000"/>
+                <a:tint val="70000"/>
+                <a:satMod val="130000"/>
               </a:schemeClr>
             </a:gs>
-            <a:gs pos="68000">
+            <a:gs pos="43000">
               <a:schemeClr val="phClr">
-                <a:tint val="77000"/>
+                <a:tint val="44000"/>
+                <a:satMod val="165000"/>
               </a:schemeClr>
             </a:gs>
-            <a:gs pos="81000">
+            <a:gs pos="93000">
               <a:schemeClr val="phClr">
-                <a:tint val="79000"/>
-              </a:schemeClr>
-            </a:gs>
-            <a:gs pos="86000">
-              <a:schemeClr val="phClr">
-                <a:tint val="73000"/>
+                <a:tint val="15000"/>
+                <a:satMod val="165000"/>
               </a:schemeClr>
             </a:gs>
             <a:gs pos="100000">
               <a:schemeClr val="phClr">
-                <a:tint val="35000"/>
+                <a:tint val="5000"/>
+                <a:satMod val="250000"/>
               </a:schemeClr>
             </a:gs>
           </a:gsLst>
-          <a:lin ang="5400000" scaled="1"/>
+          <a:path path="circle">
+            <a:fillToRect l="50000" t="130000" r="50000" b="-30000"/>
+          </a:path>
         </a:gradFill>
         <a:gradFill rotWithShape="1">
           <a:gsLst>
             <a:gs pos="0">
               <a:schemeClr val="phClr">
-                <a:tint val="73000"/>
-                <a:satMod val="150000"/>
+                <a:tint val="98000"/>
+                <a:shade val="25000"/>
+                <a:satMod val="250000"/>
               </a:schemeClr>
             </a:gs>
-            <a:gs pos="25000">
+            <a:gs pos="68000">
               <a:schemeClr val="phClr">
-                <a:tint val="96000"/>
-                <a:shade val="80000"/>
-                <a:satMod val="105000"/>
-              </a:schemeClr>
-            </a:gs>
-            <a:gs pos="38000">
-              <a:schemeClr val="phClr">
-                <a:tint val="96000"/>
-                <a:shade val="59000"/>
-                <a:satMod val="120000"/>
-              </a:schemeClr>
-            </a:gs>
-            <a:gs pos="55000">
-              <a:schemeClr val="phClr">
-                <a:shade val="57000"/>
-                <a:satMod val="120000"/>
-              </a:schemeClr>
-            </a:gs>
-            <a:gs pos="80000">
-              <a:schemeClr val="phClr">
-                <a:shade val="56000"/>
-                <a:satMod val="145000"/>
-              </a:schemeClr>
-            </a:gs>
-            <a:gs pos="88000">
-              <a:schemeClr val="phClr">
-                <a:shade val="63000"/>
-                <a:satMod val="160000"/>
+                <a:tint val="86000"/>
+                <a:satMod val="115000"/>
               </a:schemeClr>
             </a:gs>
             <a:gs pos="100000">
               <a:schemeClr val="phClr">
-                <a:tint val="99555"/>
-                <a:satMod val="155000"/>
+                <a:tint val="50000"/>
+                <a:satMod val="150000"/>
               </a:schemeClr>
             </a:gs>
           </a:gsLst>
-          <a:lin ang="5400000" scaled="1"/>
+          <a:path path="circle">
+            <a:fillToRect l="50000" t="130000" r="50000" b="-30000"/>
+          </a:path>
         </a:gradFill>
       </a:fillStyleLst>
       <a:lnStyleLst>
         <a:ln w="9525" cap="flat" cmpd="sng" algn="ctr">
           <a:solidFill>
             <a:schemeClr val="phClr">
-              <a:shade val="60000"/>
-              <a:satMod val="300000"/>
+              <a:shade val="50000"/>
+              <a:satMod val="103000"/>
             </a:schemeClr>
           </a:solidFill>
           <a:prstDash val="solid"/>
         </a:ln>
-        <a:ln w="19050" cap="flat" cmpd="sng" algn="ctr">
+        <a:ln w="25400" cap="flat" cmpd="sng" algn="ctr">
           <a:solidFill>
             <a:schemeClr val="phClr"/>
           </a:solidFill>
           <a:prstDash val="solid"/>
         </a:ln>
-        <a:ln w="19050" cap="flat" cmpd="sng" algn="ctr">
+        <a:ln w="38100" cap="flat" cmpd="sng" algn="ctr">
           <a:solidFill>
             <a:schemeClr val="phClr"/>
           </a:solidFill>
@@ -4557,55 +4718,46 @@
       <a:effectStyleLst>
         <a:effectStyle>
           <a:effectLst>
-            <a:glow rad="63500">
+            <a:outerShdw blurRad="57150" dist="38100" dir="5400000" algn="ctr" rotWithShape="0">
               <a:schemeClr val="phClr">
-                <a:tint val="30000"/>
-                <a:shade val="95000"/>
-                <a:satMod val="300000"/>
-                <a:alpha val="50000"/>
+                <a:shade val="9000"/>
+                <a:alpha val="48000"/>
+                <a:satMod val="105000"/>
               </a:schemeClr>
-            </a:glow>
+            </a:outerShdw>
           </a:effectLst>
         </a:effectStyle>
         <a:effectStyle>
           <a:effectLst>
-            <a:glow rad="70000">
+            <a:outerShdw blurRad="57150" dist="38100" dir="5400000" algn="ctr" rotWithShape="0">
               <a:schemeClr val="phClr">
-                <a:tint val="30000"/>
-                <a:shade val="95000"/>
-                <a:satMod val="300000"/>
-                <a:alpha val="50000"/>
+                <a:shade val="9000"/>
+                <a:alpha val="48000"/>
+                <a:satMod val="105000"/>
               </a:schemeClr>
-            </a:glow>
+            </a:outerShdw>
           </a:effectLst>
         </a:effectStyle>
         <a:effectStyle>
           <a:effectLst>
-            <a:glow rad="76200">
+            <a:outerShdw blurRad="57150" dist="38100" dir="5400000" algn="ctr" rotWithShape="0">
               <a:schemeClr val="phClr">
-                <a:tint val="30000"/>
-                <a:shade val="95000"/>
-                <a:satMod val="300000"/>
-                <a:alpha val="50000"/>
+                <a:shade val="9000"/>
+                <a:alpha val="48000"/>
+                <a:satMod val="105000"/>
               </a:schemeClr>
-            </a:glow>
+            </a:outerShdw>
           </a:effectLst>
           <a:scene3d>
-            <a:camera prst="orthographicFront" fov="0">
+            <a:camera prst="orthographicFront">
               <a:rot lat="0" lon="0" rev="0"/>
             </a:camera>
-            <a:lightRig rig="harsh" dir="t">
-              <a:rot lat="6000000" lon="6000000" rev="0"/>
+            <a:lightRig rig="glow" dir="tl">
+              <a:rot lat="0" lon="0" rev="900000"/>
             </a:lightRig>
           </a:scene3d>
-          <a:sp3d contourW="10000" prstMaterial="metal">
-            <a:bevelT w="20000" h="9000" prst="softRound"/>
-            <a:contourClr>
-              <a:schemeClr val="phClr">
-                <a:shade val="30000"/>
-                <a:satMod val="200000"/>
-              </a:schemeClr>
-            </a:contourClr>
+          <a:sp3d prstMaterial="powder">
+            <a:bevelT w="25400" h="38100"/>
           </a:sp3d>
         </a:effectStyle>
       </a:effectStyleLst>
@@ -4617,44 +4769,42 @@
           <a:gsLst>
             <a:gs pos="0">
               <a:schemeClr val="phClr">
-                <a:shade val="40000"/>
-                <a:satMod val="150000"/>
+                <a:tint val="80000"/>
+                <a:satMod val="400000"/>
               </a:schemeClr>
             </a:gs>
-            <a:gs pos="30000">
+            <a:gs pos="25000">
               <a:schemeClr val="phClr">
-                <a:shade val="60000"/>
-                <a:satMod val="150000"/>
+                <a:tint val="83000"/>
+                <a:satMod val="320000"/>
               </a:schemeClr>
             </a:gs>
             <a:gs pos="100000">
               <a:schemeClr val="phClr">
-                <a:tint val="83000"/>
-                <a:satMod val="200000"/>
-              </a:schemeClr>
-            </a:gs>
-          </a:gsLst>
-          <a:lin ang="13000000" scaled="0"/>
-        </a:gradFill>
-        <a:gradFill rotWithShape="1">
-          <a:gsLst>
-            <a:gs pos="0">
-              <a:schemeClr val="phClr">
-                <a:tint val="78000"/>
-                <a:satMod val="220000"/>
-              </a:schemeClr>
-            </a:gs>
-            <a:gs pos="100000">
-              <a:schemeClr val="phClr">
-                <a:shade val="35000"/>
-                <a:satMod val="155000"/>
+                <a:shade val="15000"/>
+                <a:satMod val="320000"/>
               </a:schemeClr>
             </a:gs>
           </a:gsLst>
           <a:path path="circle">
-            <a:fillToRect l="60000" t="50000" r="40000" b="50000"/>
+            <a:fillToRect l="10000" t="110000" r="10000" b="100000"/>
           </a:path>
         </a:gradFill>
+        <a:blipFill>
+          <a:blip xmlns:r="http://schemas.openxmlformats.org/officeDocument/2006/relationships" r:embed="rId1">
+            <a:duotone>
+              <a:schemeClr val="phClr">
+                <a:shade val="90000"/>
+                <a:satMod val="150000"/>
+              </a:schemeClr>
+              <a:schemeClr val="phClr">
+                <a:tint val="88000"/>
+                <a:satMod val="150000"/>
+              </a:schemeClr>
+            </a:duotone>
+          </a:blip>
+          <a:tile tx="0" ty="0" sx="65000" sy="65000" flip="none" algn="tl"/>
+        </a:blipFill>
       </a:bgFillStyleLst>
     </a:fmtScheme>
   </a:themeElements>
